--- a/マニュアル.pptx
+++ b/マニュアル.pptx
@@ -261,7 +261,7 @@
           <a:p>
             <a:fld id="{8FB4C7EE-3C5D-4F47-A8DE-21B759CA57C5}" type="datetimeFigureOut">
               <a:rPr kumimoji="1" lang="ja-JP" altLang="en-US" smtClean="0"/>
-              <a:t>2015/8/25</a:t>
+              <a:t>2015/9/14</a:t>
             </a:fld>
             <a:endParaRPr kumimoji="1" lang="ja-JP" altLang="en-US"/>
           </a:p>
@@ -463,7 +463,7 @@
           <a:p>
             <a:fld id="{8FB4C7EE-3C5D-4F47-A8DE-21B759CA57C5}" type="datetimeFigureOut">
               <a:rPr kumimoji="1" lang="ja-JP" altLang="en-US" smtClean="0"/>
-              <a:t>2015/8/25</a:t>
+              <a:t>2015/9/14</a:t>
             </a:fld>
             <a:endParaRPr kumimoji="1" lang="ja-JP" altLang="en-US"/>
           </a:p>
@@ -675,7 +675,7 @@
           <a:p>
             <a:fld id="{8FB4C7EE-3C5D-4F47-A8DE-21B759CA57C5}" type="datetimeFigureOut">
               <a:rPr kumimoji="1" lang="ja-JP" altLang="en-US" smtClean="0"/>
-              <a:t>2015/8/25</a:t>
+              <a:t>2015/9/14</a:t>
             </a:fld>
             <a:endParaRPr kumimoji="1" lang="ja-JP" altLang="en-US"/>
           </a:p>
@@ -877,7 +877,7 @@
           <a:p>
             <a:fld id="{8FB4C7EE-3C5D-4F47-A8DE-21B759CA57C5}" type="datetimeFigureOut">
               <a:rPr kumimoji="1" lang="ja-JP" altLang="en-US" smtClean="0"/>
-              <a:t>2015/8/25</a:t>
+              <a:t>2015/9/14</a:t>
             </a:fld>
             <a:endParaRPr kumimoji="1" lang="ja-JP" altLang="en-US"/>
           </a:p>
@@ -1121,7 +1121,7 @@
           <a:p>
             <a:fld id="{8FB4C7EE-3C5D-4F47-A8DE-21B759CA57C5}" type="datetimeFigureOut">
               <a:rPr kumimoji="1" lang="ja-JP" altLang="en-US" smtClean="0"/>
-              <a:t>2015/8/25</a:t>
+              <a:t>2015/9/14</a:t>
             </a:fld>
             <a:endParaRPr kumimoji="1" lang="ja-JP" altLang="en-US"/>
           </a:p>
@@ -1417,7 +1417,7 @@
           <a:p>
             <a:fld id="{8FB4C7EE-3C5D-4F47-A8DE-21B759CA57C5}" type="datetimeFigureOut">
               <a:rPr kumimoji="1" lang="ja-JP" altLang="en-US" smtClean="0"/>
-              <a:t>2015/8/25</a:t>
+              <a:t>2015/9/14</a:t>
             </a:fld>
             <a:endParaRPr kumimoji="1" lang="ja-JP" altLang="en-US"/>
           </a:p>
@@ -1848,7 +1848,7 @@
           <a:p>
             <a:fld id="{8FB4C7EE-3C5D-4F47-A8DE-21B759CA57C5}" type="datetimeFigureOut">
               <a:rPr kumimoji="1" lang="ja-JP" altLang="en-US" smtClean="0"/>
-              <a:t>2015/8/25</a:t>
+              <a:t>2015/9/14</a:t>
             </a:fld>
             <a:endParaRPr kumimoji="1" lang="ja-JP" altLang="en-US"/>
           </a:p>
@@ -1966,7 +1966,7 @@
           <a:p>
             <a:fld id="{8FB4C7EE-3C5D-4F47-A8DE-21B759CA57C5}" type="datetimeFigureOut">
               <a:rPr kumimoji="1" lang="ja-JP" altLang="en-US" smtClean="0"/>
-              <a:t>2015/8/25</a:t>
+              <a:t>2015/9/14</a:t>
             </a:fld>
             <a:endParaRPr kumimoji="1" lang="ja-JP" altLang="en-US"/>
           </a:p>
@@ -2061,7 +2061,7 @@
           <a:p>
             <a:fld id="{8FB4C7EE-3C5D-4F47-A8DE-21B759CA57C5}" type="datetimeFigureOut">
               <a:rPr kumimoji="1" lang="ja-JP" altLang="en-US" smtClean="0"/>
-              <a:t>2015/8/25</a:t>
+              <a:t>2015/9/14</a:t>
             </a:fld>
             <a:endParaRPr kumimoji="1" lang="ja-JP" altLang="en-US"/>
           </a:p>
@@ -2370,7 +2370,7 @@
           <a:p>
             <a:fld id="{8FB4C7EE-3C5D-4F47-A8DE-21B759CA57C5}" type="datetimeFigureOut">
               <a:rPr kumimoji="1" lang="ja-JP" altLang="en-US" smtClean="0"/>
-              <a:t>2015/8/25</a:t>
+              <a:t>2015/9/14</a:t>
             </a:fld>
             <a:endParaRPr kumimoji="1" lang="ja-JP" altLang="en-US"/>
           </a:p>
@@ -2627,7 +2627,7 @@
           <a:p>
             <a:fld id="{8FB4C7EE-3C5D-4F47-A8DE-21B759CA57C5}" type="datetimeFigureOut">
               <a:rPr kumimoji="1" lang="ja-JP" altLang="en-US" smtClean="0"/>
-              <a:t>2015/8/25</a:t>
+              <a:t>2015/9/14</a:t>
             </a:fld>
             <a:endParaRPr kumimoji="1" lang="ja-JP" altLang="en-US"/>
           </a:p>
@@ -2872,7 +2872,7 @@
           <a:p>
             <a:fld id="{8FB4C7EE-3C5D-4F47-A8DE-21B759CA57C5}" type="datetimeFigureOut">
               <a:rPr kumimoji="1" lang="ja-JP" altLang="en-US" smtClean="0"/>
-              <a:t>2015/8/25</a:t>
+              <a:t>2015/9/14</a:t>
             </a:fld>
             <a:endParaRPr kumimoji="1" lang="ja-JP" altLang="en-US"/>
           </a:p>
@@ -21541,9 +21541,18 @@
               <a:buNone/>
             </a:pPr>
             <a:r>
-              <a:rPr lang="en-US" altLang="ja-JP" sz="4000" dirty="0" smtClean="0"/>
-              <a:t>On PPT</a:t>
-            </a:r>
+              <a:rPr lang="en-US" altLang="ja-JP" sz="4000" dirty="0" smtClean="0">
+                <a:solidFill>
+                  <a:srgbClr val="C00000"/>
+                </a:solidFill>
+              </a:rPr>
+              <a:t>On</a:t>
+            </a:r>
+            <a:endParaRPr lang="en-US" altLang="ja-JP" sz="4000" dirty="0" smtClean="0">
+              <a:solidFill>
+                <a:srgbClr val="C00000"/>
+              </a:solidFill>
+            </a:endParaRPr>
           </a:p>
         </p:txBody>
       </p:sp>
@@ -22187,7 +22196,11 @@
           <a:lstStyle/>
           <a:p>
             <a:pPr algn="ctr"/>
-            <a:endParaRPr kumimoji="1" lang="ja-JP" altLang="en-US" sz="900"/>
+            <a:r>
+              <a:rPr kumimoji="1" lang="ja-JP" altLang="en-US" sz="900" dirty="0" smtClean="0"/>
+              <a:t>ビュー</a:t>
+            </a:r>
+            <a:endParaRPr kumimoji="1" lang="ja-JP" altLang="en-US" sz="900" dirty="0"/>
           </a:p>
         </p:txBody>
       </p:sp>
@@ -22559,18 +22572,42 @@
           <a:p>
             <a:pPr algn="ctr"/>
             <a:r>
-              <a:rPr kumimoji="1" lang="ja-JP" altLang="en-US" sz="900" dirty="0" smtClean="0"/>
+              <a:rPr kumimoji="1" lang="ja-JP" altLang="en-US" sz="900" dirty="0" smtClean="0">
+                <a:solidFill>
+                  <a:schemeClr val="accent6">
+                    <a:lumMod val="75000"/>
+                  </a:schemeClr>
+                </a:solidFill>
+              </a:rPr>
               <a:t>青</a:t>
             </a:r>
-            <a:endParaRPr kumimoji="1" lang="en-US" altLang="ja-JP" sz="900" dirty="0" smtClean="0"/>
-          </a:p>
-          <a:p>
-            <a:pPr algn="ctr"/>
-            <a:r>
-              <a:rPr lang="ja-JP" altLang="en-US" sz="900" dirty="0"/>
+            <a:endParaRPr kumimoji="1" lang="en-US" altLang="ja-JP" sz="900" dirty="0" smtClean="0">
+              <a:solidFill>
+                <a:schemeClr val="accent6">
+                  <a:lumMod val="75000"/>
+                </a:schemeClr>
+              </a:solidFill>
+            </a:endParaRPr>
+          </a:p>
+          <a:p>
+            <a:pPr algn="ctr"/>
+            <a:r>
+              <a:rPr lang="ja-JP" altLang="en-US" sz="900" dirty="0">
+                <a:solidFill>
+                  <a:schemeClr val="accent6">
+                    <a:lumMod val="75000"/>
+                  </a:schemeClr>
+                </a:solidFill>
+              </a:rPr>
               <a:t>枠線</a:t>
             </a:r>
-            <a:endParaRPr kumimoji="1" lang="ja-JP" altLang="en-US" sz="900" dirty="0"/>
+            <a:endParaRPr kumimoji="1" lang="ja-JP" altLang="en-US" sz="900" dirty="0">
+              <a:solidFill>
+                <a:schemeClr val="accent6">
+                  <a:lumMod val="75000"/>
+                </a:schemeClr>
+              </a:solidFill>
+            </a:endParaRPr>
           </a:p>
         </p:txBody>
       </p:sp>
@@ -22609,18 +22646,42 @@
           <a:p>
             <a:pPr algn="ctr"/>
             <a:r>
-              <a:rPr kumimoji="1" lang="ja-JP" altLang="en-US" sz="900" dirty="0" smtClean="0"/>
+              <a:rPr kumimoji="1" lang="ja-JP" altLang="en-US" sz="900" dirty="0" smtClean="0">
+                <a:solidFill>
+                  <a:schemeClr val="accent6">
+                    <a:lumMod val="75000"/>
+                  </a:schemeClr>
+                </a:solidFill>
+              </a:rPr>
               <a:t>緑</a:t>
             </a:r>
-            <a:endParaRPr kumimoji="1" lang="en-US" altLang="ja-JP" sz="900" dirty="0" smtClean="0"/>
-          </a:p>
-          <a:p>
-            <a:pPr algn="ctr"/>
-            <a:r>
-              <a:rPr lang="ja-JP" altLang="en-US" sz="900" dirty="0"/>
+            <a:endParaRPr kumimoji="1" lang="en-US" altLang="ja-JP" sz="900" dirty="0" smtClean="0">
+              <a:solidFill>
+                <a:schemeClr val="accent6">
+                  <a:lumMod val="75000"/>
+                </a:schemeClr>
+              </a:solidFill>
+            </a:endParaRPr>
+          </a:p>
+          <a:p>
+            <a:pPr algn="ctr"/>
+            <a:r>
+              <a:rPr lang="ja-JP" altLang="en-US" sz="900" dirty="0">
+                <a:solidFill>
+                  <a:schemeClr val="accent6">
+                    <a:lumMod val="75000"/>
+                  </a:schemeClr>
+                </a:solidFill>
+              </a:rPr>
               <a:t>枠線</a:t>
             </a:r>
-            <a:endParaRPr kumimoji="1" lang="ja-JP" altLang="en-US" sz="900" dirty="0"/>
+            <a:endParaRPr kumimoji="1" lang="ja-JP" altLang="en-US" sz="900" dirty="0">
+              <a:solidFill>
+                <a:schemeClr val="accent6">
+                  <a:lumMod val="75000"/>
+                </a:schemeClr>
+              </a:solidFill>
+            </a:endParaRPr>
           </a:p>
         </p:txBody>
       </p:sp>
@@ -22659,18 +22720,42 @@
           <a:p>
             <a:pPr algn="ctr"/>
             <a:r>
-              <a:rPr kumimoji="1" lang="ja-JP" altLang="en-US" sz="900" dirty="0" smtClean="0"/>
+              <a:rPr kumimoji="1" lang="ja-JP" altLang="en-US" sz="900" dirty="0" smtClean="0">
+                <a:solidFill>
+                  <a:schemeClr val="accent6">
+                    <a:lumMod val="75000"/>
+                  </a:schemeClr>
+                </a:solidFill>
+              </a:rPr>
               <a:t>赤</a:t>
             </a:r>
-            <a:endParaRPr kumimoji="1" lang="en-US" altLang="ja-JP" sz="900" dirty="0" smtClean="0"/>
-          </a:p>
-          <a:p>
-            <a:pPr algn="ctr"/>
-            <a:r>
-              <a:rPr lang="ja-JP" altLang="en-US" sz="900" dirty="0"/>
+            <a:endParaRPr kumimoji="1" lang="en-US" altLang="ja-JP" sz="900" dirty="0" smtClean="0">
+              <a:solidFill>
+                <a:schemeClr val="accent6">
+                  <a:lumMod val="75000"/>
+                </a:schemeClr>
+              </a:solidFill>
+            </a:endParaRPr>
+          </a:p>
+          <a:p>
+            <a:pPr algn="ctr"/>
+            <a:r>
+              <a:rPr lang="ja-JP" altLang="en-US" sz="900" dirty="0">
+                <a:solidFill>
+                  <a:schemeClr val="accent6">
+                    <a:lumMod val="75000"/>
+                  </a:schemeClr>
+                </a:solidFill>
+              </a:rPr>
               <a:t>枠線</a:t>
             </a:r>
-            <a:endParaRPr kumimoji="1" lang="ja-JP" altLang="en-US" sz="900" dirty="0"/>
+            <a:endParaRPr kumimoji="1" lang="ja-JP" altLang="en-US" sz="900" dirty="0">
+              <a:solidFill>
+                <a:schemeClr val="accent6">
+                  <a:lumMod val="75000"/>
+                </a:schemeClr>
+              </a:solidFill>
+            </a:endParaRPr>
           </a:p>
         </p:txBody>
       </p:sp>
@@ -22709,18 +22794,42 @@
           <a:p>
             <a:pPr algn="ctr"/>
             <a:r>
-              <a:rPr kumimoji="1" lang="ja-JP" altLang="en-US" sz="900" dirty="0" smtClean="0"/>
+              <a:rPr kumimoji="1" lang="ja-JP" altLang="en-US" sz="900" dirty="0" smtClean="0">
+                <a:solidFill>
+                  <a:schemeClr val="accent6">
+                    <a:lumMod val="75000"/>
+                  </a:schemeClr>
+                </a:solidFill>
+              </a:rPr>
               <a:t>枠線</a:t>
             </a:r>
-            <a:endParaRPr kumimoji="1" lang="en-US" altLang="ja-JP" sz="900" dirty="0" smtClean="0"/>
-          </a:p>
-          <a:p>
-            <a:pPr algn="ctr"/>
-            <a:r>
-              <a:rPr lang="ja-JP" altLang="en-US" sz="900" dirty="0"/>
+            <a:endParaRPr kumimoji="1" lang="en-US" altLang="ja-JP" sz="900" dirty="0" smtClean="0">
+              <a:solidFill>
+                <a:schemeClr val="accent6">
+                  <a:lumMod val="75000"/>
+                </a:schemeClr>
+              </a:solidFill>
+            </a:endParaRPr>
+          </a:p>
+          <a:p>
+            <a:pPr algn="ctr"/>
+            <a:r>
+              <a:rPr lang="ja-JP" altLang="en-US" sz="900" dirty="0">
+                <a:solidFill>
+                  <a:schemeClr val="accent6">
+                    <a:lumMod val="75000"/>
+                  </a:schemeClr>
+                </a:solidFill>
+              </a:rPr>
               <a:t>色変更</a:t>
             </a:r>
-            <a:endParaRPr kumimoji="1" lang="ja-JP" altLang="en-US" sz="900" dirty="0"/>
+            <a:endParaRPr kumimoji="1" lang="ja-JP" altLang="en-US" sz="900" dirty="0">
+              <a:solidFill>
+                <a:schemeClr val="accent6">
+                  <a:lumMod val="75000"/>
+                </a:schemeClr>
+              </a:solidFill>
+            </a:endParaRPr>
           </a:p>
         </p:txBody>
       </p:sp>
@@ -23063,30 +23172,540 @@
           <a:p>
             <a:pPr algn="ctr"/>
             <a:r>
-              <a:rPr kumimoji="1" lang="ja-JP" altLang="en-US" sz="900" dirty="0" smtClean="0"/>
+              <a:rPr kumimoji="1" lang="ja-JP" altLang="en-US" sz="900" dirty="0" smtClean="0">
+                <a:solidFill>
+                  <a:schemeClr val="accent6">
+                    <a:lumMod val="75000"/>
+                  </a:schemeClr>
+                </a:solidFill>
+              </a:rPr>
               <a:t>橙</a:t>
             </a:r>
+            <a:endParaRPr kumimoji="1" lang="en-US" altLang="ja-JP" sz="900" dirty="0" smtClean="0">
+              <a:solidFill>
+                <a:schemeClr val="accent6">
+                  <a:lumMod val="75000"/>
+                </a:schemeClr>
+              </a:solidFill>
+            </a:endParaRPr>
+          </a:p>
+          <a:p>
+            <a:pPr algn="ctr"/>
+            <a:r>
+              <a:rPr lang="ja-JP" altLang="en-US" sz="900" dirty="0" smtClean="0">
+                <a:solidFill>
+                  <a:schemeClr val="accent6">
+                    <a:lumMod val="75000"/>
+                  </a:schemeClr>
+                </a:solidFill>
+              </a:rPr>
+              <a:t>枠線</a:t>
+            </a:r>
+            <a:endParaRPr kumimoji="1" lang="ja-JP" altLang="en-US" sz="900" dirty="0">
+              <a:solidFill>
+                <a:schemeClr val="accent6">
+                  <a:lumMod val="75000"/>
+                </a:schemeClr>
+              </a:solidFill>
+            </a:endParaRPr>
+          </a:p>
+        </p:txBody>
+      </p:sp>
+      <p:sp>
+        <p:nvSpPr>
+          <p:cNvPr id="103" name="角丸四角形 102"/>
+          <p:cNvSpPr/>
+          <p:nvPr/>
+        </p:nvSpPr>
+        <p:spPr>
+          <a:xfrm>
+            <a:off x="746114" y="3398078"/>
+            <a:ext cx="466343" cy="467140"/>
+          </a:xfrm>
+          <a:prstGeom prst="roundRect">
+            <a:avLst/>
+          </a:prstGeom>
+        </p:spPr>
+        <p:style>
+          <a:lnRef idx="2">
+            <a:schemeClr val="accent6"/>
+          </a:lnRef>
+          <a:fillRef idx="1">
+            <a:schemeClr val="lt1"/>
+          </a:fillRef>
+          <a:effectRef idx="0">
+            <a:schemeClr val="accent6"/>
+          </a:effectRef>
+          <a:fontRef idx="minor">
+            <a:schemeClr val="dk1"/>
+          </a:fontRef>
+        </p:style>
+        <p:txBody>
+          <a:bodyPr wrap="none" rtlCol="0" anchor="ctr"/>
+          <a:lstStyle/>
+          <a:p>
+            <a:pPr algn="ctr"/>
+            <a:endParaRPr kumimoji="1" lang="ja-JP" altLang="en-US" sz="900" dirty="0"/>
+          </a:p>
+        </p:txBody>
+      </p:sp>
+      <p:sp>
+        <p:nvSpPr>
+          <p:cNvPr id="82" name="角丸四角形 81"/>
+          <p:cNvSpPr/>
+          <p:nvPr/>
+        </p:nvSpPr>
+        <p:spPr>
+          <a:xfrm>
+            <a:off x="2078261" y="3930376"/>
+            <a:ext cx="466343" cy="467140"/>
+          </a:xfrm>
+          <a:prstGeom prst="roundRect">
+            <a:avLst/>
+          </a:prstGeom>
+        </p:spPr>
+        <p:style>
+          <a:lnRef idx="2">
+            <a:schemeClr val="accent6"/>
+          </a:lnRef>
+          <a:fillRef idx="1">
+            <a:schemeClr val="lt1"/>
+          </a:fillRef>
+          <a:effectRef idx="0">
+            <a:schemeClr val="accent6"/>
+          </a:effectRef>
+          <a:fontRef idx="minor">
+            <a:schemeClr val="dk1"/>
+          </a:fontRef>
+        </p:style>
+        <p:txBody>
+          <a:bodyPr wrap="none" rtlCol="0" anchor="ctr"/>
+          <a:lstStyle/>
+          <a:p>
+            <a:pPr algn="ctr"/>
+            <a:r>
+              <a:rPr kumimoji="1" lang="ja-JP" altLang="en-US" sz="900" dirty="0" smtClean="0">
+                <a:solidFill>
+                  <a:schemeClr val="accent5">
+                    <a:lumMod val="75000"/>
+                  </a:schemeClr>
+                </a:solidFill>
+              </a:rPr>
+              <a:t>青</a:t>
+            </a:r>
+            <a:endParaRPr kumimoji="1" lang="en-US" altLang="ja-JP" sz="900" dirty="0" smtClean="0">
+              <a:solidFill>
+                <a:schemeClr val="accent5">
+                  <a:lumMod val="75000"/>
+                </a:schemeClr>
+              </a:solidFill>
+            </a:endParaRPr>
+          </a:p>
+          <a:p>
+            <a:pPr algn="ctr"/>
+            <a:r>
+              <a:rPr lang="ja-JP" altLang="en-US" sz="900" dirty="0">
+                <a:solidFill>
+                  <a:schemeClr val="accent5">
+                    <a:lumMod val="75000"/>
+                  </a:schemeClr>
+                </a:solidFill>
+              </a:rPr>
+              <a:t>文字</a:t>
+            </a:r>
+            <a:endParaRPr kumimoji="1" lang="ja-JP" altLang="en-US" sz="900" dirty="0">
+              <a:solidFill>
+                <a:schemeClr val="accent5">
+                  <a:lumMod val="75000"/>
+                </a:schemeClr>
+              </a:solidFill>
+            </a:endParaRPr>
+          </a:p>
+        </p:txBody>
+      </p:sp>
+      <p:sp>
+        <p:nvSpPr>
+          <p:cNvPr id="83" name="角丸四角形 82"/>
+          <p:cNvSpPr/>
+          <p:nvPr/>
+        </p:nvSpPr>
+        <p:spPr>
+          <a:xfrm>
+            <a:off x="2612397" y="3930376"/>
+            <a:ext cx="466343" cy="467140"/>
+          </a:xfrm>
+          <a:prstGeom prst="roundRect">
+            <a:avLst/>
+          </a:prstGeom>
+        </p:spPr>
+        <p:style>
+          <a:lnRef idx="2">
+            <a:schemeClr val="accent6"/>
+          </a:lnRef>
+          <a:fillRef idx="1">
+            <a:schemeClr val="lt1"/>
+          </a:fillRef>
+          <a:effectRef idx="0">
+            <a:schemeClr val="accent6"/>
+          </a:effectRef>
+          <a:fontRef idx="minor">
+            <a:schemeClr val="dk1"/>
+          </a:fontRef>
+        </p:style>
+        <p:txBody>
+          <a:bodyPr wrap="none" rtlCol="0" anchor="ctr"/>
+          <a:lstStyle/>
+          <a:p>
+            <a:pPr algn="ctr"/>
+            <a:r>
+              <a:rPr kumimoji="1" lang="ja-JP" altLang="en-US" sz="900" dirty="0" smtClean="0">
+                <a:solidFill>
+                  <a:schemeClr val="accent5">
+                    <a:lumMod val="75000"/>
+                  </a:schemeClr>
+                </a:solidFill>
+              </a:rPr>
+              <a:t>緑</a:t>
+            </a:r>
+            <a:endParaRPr kumimoji="1" lang="en-US" altLang="ja-JP" sz="900" dirty="0" smtClean="0">
+              <a:solidFill>
+                <a:schemeClr val="accent5">
+                  <a:lumMod val="75000"/>
+                </a:schemeClr>
+              </a:solidFill>
+            </a:endParaRPr>
+          </a:p>
+          <a:p>
+            <a:pPr algn="ctr"/>
+            <a:r>
+              <a:rPr lang="ja-JP" altLang="en-US" sz="900" dirty="0">
+                <a:solidFill>
+                  <a:schemeClr val="accent5">
+                    <a:lumMod val="75000"/>
+                  </a:schemeClr>
+                </a:solidFill>
+              </a:rPr>
+              <a:t>文字</a:t>
+            </a:r>
+            <a:endParaRPr kumimoji="1" lang="ja-JP" altLang="en-US" sz="900" dirty="0">
+              <a:solidFill>
+                <a:schemeClr val="accent5">
+                  <a:lumMod val="75000"/>
+                </a:schemeClr>
+              </a:solidFill>
+            </a:endParaRPr>
+          </a:p>
+        </p:txBody>
+      </p:sp>
+      <p:sp>
+        <p:nvSpPr>
+          <p:cNvPr id="84" name="角丸四角形 83"/>
+          <p:cNvSpPr/>
+          <p:nvPr/>
+        </p:nvSpPr>
+        <p:spPr>
+          <a:xfrm>
+            <a:off x="3146533" y="3930376"/>
+            <a:ext cx="466343" cy="467140"/>
+          </a:xfrm>
+          <a:prstGeom prst="roundRect">
+            <a:avLst/>
+          </a:prstGeom>
+        </p:spPr>
+        <p:style>
+          <a:lnRef idx="2">
+            <a:schemeClr val="accent6"/>
+          </a:lnRef>
+          <a:fillRef idx="1">
+            <a:schemeClr val="lt1"/>
+          </a:fillRef>
+          <a:effectRef idx="0">
+            <a:schemeClr val="accent6"/>
+          </a:effectRef>
+          <a:fontRef idx="minor">
+            <a:schemeClr val="dk1"/>
+          </a:fontRef>
+        </p:style>
+        <p:txBody>
+          <a:bodyPr wrap="none" rtlCol="0" anchor="ctr"/>
+          <a:lstStyle/>
+          <a:p>
+            <a:pPr algn="ctr"/>
+            <a:r>
+              <a:rPr kumimoji="1" lang="ja-JP" altLang="en-US" sz="900" dirty="0" smtClean="0">
+                <a:solidFill>
+                  <a:schemeClr val="accent5">
+                    <a:lumMod val="75000"/>
+                  </a:schemeClr>
+                </a:solidFill>
+              </a:rPr>
+              <a:t>赤</a:t>
+            </a:r>
+            <a:endParaRPr kumimoji="1" lang="en-US" altLang="ja-JP" sz="900" dirty="0" smtClean="0">
+              <a:solidFill>
+                <a:schemeClr val="accent5">
+                  <a:lumMod val="75000"/>
+                </a:schemeClr>
+              </a:solidFill>
+            </a:endParaRPr>
+          </a:p>
+          <a:p>
+            <a:pPr algn="ctr"/>
+            <a:r>
+              <a:rPr lang="ja-JP" altLang="en-US" sz="900" dirty="0">
+                <a:solidFill>
+                  <a:schemeClr val="accent5">
+                    <a:lumMod val="75000"/>
+                  </a:schemeClr>
+                </a:solidFill>
+              </a:rPr>
+              <a:t>文字</a:t>
+            </a:r>
+            <a:endParaRPr kumimoji="1" lang="ja-JP" altLang="en-US" sz="900" dirty="0">
+              <a:solidFill>
+                <a:schemeClr val="accent5">
+                  <a:lumMod val="75000"/>
+                </a:schemeClr>
+              </a:solidFill>
+            </a:endParaRPr>
+          </a:p>
+        </p:txBody>
+      </p:sp>
+      <p:sp>
+        <p:nvSpPr>
+          <p:cNvPr id="85" name="角丸四角形 84"/>
+          <p:cNvSpPr/>
+          <p:nvPr/>
+        </p:nvSpPr>
+        <p:spPr>
+          <a:xfrm>
+            <a:off x="3680669" y="3930376"/>
+            <a:ext cx="466343" cy="467140"/>
+          </a:xfrm>
+          <a:prstGeom prst="roundRect">
+            <a:avLst/>
+          </a:prstGeom>
+        </p:spPr>
+        <p:style>
+          <a:lnRef idx="2">
+            <a:schemeClr val="accent6"/>
+          </a:lnRef>
+          <a:fillRef idx="1">
+            <a:schemeClr val="lt1"/>
+          </a:fillRef>
+          <a:effectRef idx="0">
+            <a:schemeClr val="accent6"/>
+          </a:effectRef>
+          <a:fontRef idx="minor">
+            <a:schemeClr val="dk1"/>
+          </a:fontRef>
+        </p:style>
+        <p:txBody>
+          <a:bodyPr wrap="none" rtlCol="0" anchor="ctr"/>
+          <a:lstStyle/>
+          <a:p>
+            <a:pPr algn="ctr"/>
+            <a:r>
+              <a:rPr kumimoji="1" lang="ja-JP" altLang="en-US" sz="900" dirty="0" smtClean="0">
+                <a:solidFill>
+                  <a:schemeClr val="accent5">
+                    <a:lumMod val="75000"/>
+                  </a:schemeClr>
+                </a:solidFill>
+              </a:rPr>
+              <a:t>文字</a:t>
+            </a:r>
+            <a:endParaRPr kumimoji="1" lang="en-US" altLang="ja-JP" sz="900" dirty="0" smtClean="0">
+              <a:solidFill>
+                <a:schemeClr val="accent5">
+                  <a:lumMod val="75000"/>
+                </a:schemeClr>
+              </a:solidFill>
+            </a:endParaRPr>
+          </a:p>
+          <a:p>
+            <a:pPr algn="ctr"/>
+            <a:r>
+              <a:rPr lang="ja-JP" altLang="en-US" sz="900" dirty="0">
+                <a:solidFill>
+                  <a:schemeClr val="accent5">
+                    <a:lumMod val="75000"/>
+                  </a:schemeClr>
+                </a:solidFill>
+              </a:rPr>
+              <a:t>色変更</a:t>
+            </a:r>
+            <a:endParaRPr kumimoji="1" lang="ja-JP" altLang="en-US" sz="900" dirty="0">
+              <a:solidFill>
+                <a:schemeClr val="accent5">
+                  <a:lumMod val="75000"/>
+                </a:schemeClr>
+              </a:solidFill>
+            </a:endParaRPr>
+          </a:p>
+        </p:txBody>
+      </p:sp>
+      <p:sp>
+        <p:nvSpPr>
+          <p:cNvPr id="86" name="角丸四角形 85"/>
+          <p:cNvSpPr/>
+          <p:nvPr/>
+        </p:nvSpPr>
+        <p:spPr>
+          <a:xfrm>
+            <a:off x="4214805" y="3930376"/>
+            <a:ext cx="466343" cy="467140"/>
+          </a:xfrm>
+          <a:prstGeom prst="roundRect">
+            <a:avLst/>
+          </a:prstGeom>
+        </p:spPr>
+        <p:style>
+          <a:lnRef idx="2">
+            <a:schemeClr val="accent6"/>
+          </a:lnRef>
+          <a:fillRef idx="1">
+            <a:schemeClr val="lt1"/>
+          </a:fillRef>
+          <a:effectRef idx="0">
+            <a:schemeClr val="accent6"/>
+          </a:effectRef>
+          <a:fontRef idx="minor">
+            <a:schemeClr val="dk1"/>
+          </a:fontRef>
+        </p:style>
+        <p:txBody>
+          <a:bodyPr wrap="none" rtlCol="0" anchor="ctr"/>
+          <a:lstStyle/>
+          <a:p>
+            <a:pPr algn="ctr"/>
+            <a:endParaRPr kumimoji="1" lang="ja-JP" altLang="en-US" sz="900" dirty="0"/>
+          </a:p>
+        </p:txBody>
+      </p:sp>
+      <p:sp>
+        <p:nvSpPr>
+          <p:cNvPr id="87" name="角丸四角形 86"/>
+          <p:cNvSpPr/>
+          <p:nvPr/>
+        </p:nvSpPr>
+        <p:spPr>
+          <a:xfrm>
+            <a:off x="4748941" y="3930376"/>
+            <a:ext cx="466343" cy="467140"/>
+          </a:xfrm>
+          <a:prstGeom prst="roundRect">
+            <a:avLst/>
+          </a:prstGeom>
+        </p:spPr>
+        <p:style>
+          <a:lnRef idx="2">
+            <a:schemeClr val="accent6"/>
+          </a:lnRef>
+          <a:fillRef idx="1">
+            <a:schemeClr val="lt1"/>
+          </a:fillRef>
+          <a:effectRef idx="0">
+            <a:schemeClr val="accent6"/>
+          </a:effectRef>
+          <a:fontRef idx="minor">
+            <a:schemeClr val="dk1"/>
+          </a:fontRef>
+        </p:style>
+        <p:txBody>
+          <a:bodyPr wrap="none" rtlCol="0" anchor="ctr"/>
+          <a:lstStyle/>
+          <a:p>
+            <a:pPr algn="ctr"/>
+            <a:endParaRPr kumimoji="1" lang="ja-JP" altLang="en-US" sz="900" dirty="0"/>
+          </a:p>
+        </p:txBody>
+      </p:sp>
+      <p:sp>
+        <p:nvSpPr>
+          <p:cNvPr id="88" name="角丸四角形 87"/>
+          <p:cNvSpPr/>
+          <p:nvPr/>
+        </p:nvSpPr>
+        <p:spPr>
+          <a:xfrm>
+            <a:off x="5283077" y="3930376"/>
+            <a:ext cx="466343" cy="467140"/>
+          </a:xfrm>
+          <a:prstGeom prst="roundRect">
+            <a:avLst/>
+          </a:prstGeom>
+        </p:spPr>
+        <p:style>
+          <a:lnRef idx="2">
+            <a:schemeClr val="accent6"/>
+          </a:lnRef>
+          <a:fillRef idx="1">
+            <a:schemeClr val="lt1"/>
+          </a:fillRef>
+          <a:effectRef idx="0">
+            <a:schemeClr val="accent6"/>
+          </a:effectRef>
+          <a:fontRef idx="minor">
+            <a:schemeClr val="dk1"/>
+          </a:fontRef>
+        </p:style>
+        <p:txBody>
+          <a:bodyPr wrap="none" rtlCol="0" anchor="ctr"/>
+          <a:lstStyle/>
+          <a:p>
+            <a:pPr algn="ctr"/>
             <a:endParaRPr kumimoji="1" lang="en-US" altLang="ja-JP" sz="900" dirty="0" smtClean="0"/>
           </a:p>
-          <a:p>
-            <a:pPr algn="ctr"/>
-            <a:r>
-              <a:rPr lang="ja-JP" altLang="en-US" sz="900" dirty="0" smtClean="0"/>
-              <a:t>枠線</a:t>
-            </a:r>
+        </p:txBody>
+      </p:sp>
+      <p:sp>
+        <p:nvSpPr>
+          <p:cNvPr id="121" name="角丸四角形 120"/>
+          <p:cNvSpPr/>
+          <p:nvPr/>
+        </p:nvSpPr>
+        <p:spPr>
+          <a:xfrm>
+            <a:off x="5817213" y="3930376"/>
+            <a:ext cx="466343" cy="467140"/>
+          </a:xfrm>
+          <a:prstGeom prst="roundRect">
+            <a:avLst/>
+          </a:prstGeom>
+        </p:spPr>
+        <p:style>
+          <a:lnRef idx="2">
+            <a:schemeClr val="accent6"/>
+          </a:lnRef>
+          <a:fillRef idx="1">
+            <a:schemeClr val="lt1"/>
+          </a:fillRef>
+          <a:effectRef idx="0">
+            <a:schemeClr val="accent6"/>
+          </a:effectRef>
+          <a:fontRef idx="minor">
+            <a:schemeClr val="dk1"/>
+          </a:fontRef>
+        </p:style>
+        <p:txBody>
+          <a:bodyPr wrap="none" rtlCol="0" anchor="ctr"/>
+          <a:lstStyle/>
+          <a:p>
+            <a:pPr algn="ctr"/>
             <a:endParaRPr kumimoji="1" lang="ja-JP" altLang="en-US" sz="900" dirty="0"/>
           </a:p>
         </p:txBody>
       </p:sp>
       <p:sp>
         <p:nvSpPr>
-          <p:cNvPr id="103" name="角丸四角形 102"/>
-          <p:cNvSpPr/>
-          <p:nvPr/>
-        </p:nvSpPr>
-        <p:spPr>
-          <a:xfrm>
-            <a:off x="746114" y="3398078"/>
+          <p:cNvPr id="122" name="角丸四角形 121"/>
+          <p:cNvSpPr/>
+          <p:nvPr/>
+        </p:nvSpPr>
+        <p:spPr>
+          <a:xfrm>
+            <a:off x="6351349" y="3930376"/>
             <a:ext cx="466343" cy="467140"/>
           </a:xfrm>
           <a:prstGeom prst="roundRect">
@@ -23118,517 +23737,151 @@
       </p:sp>
       <p:sp>
         <p:nvSpPr>
-          <p:cNvPr id="82" name="角丸四角形 81"/>
-          <p:cNvSpPr/>
-          <p:nvPr/>
-        </p:nvSpPr>
-        <p:spPr>
-          <a:xfrm>
-            <a:off x="2078261" y="3930376"/>
-            <a:ext cx="466343" cy="467140"/>
-          </a:xfrm>
-          <a:prstGeom prst="roundRect">
-            <a:avLst/>
-          </a:prstGeom>
-        </p:spPr>
-        <p:style>
-          <a:lnRef idx="2">
-            <a:schemeClr val="accent6"/>
-          </a:lnRef>
-          <a:fillRef idx="1">
-            <a:schemeClr val="lt1"/>
-          </a:fillRef>
-          <a:effectRef idx="0">
-            <a:schemeClr val="accent6"/>
-          </a:effectRef>
-          <a:fontRef idx="minor">
-            <a:schemeClr val="dk1"/>
-          </a:fontRef>
-        </p:style>
-        <p:txBody>
-          <a:bodyPr wrap="none" rtlCol="0" anchor="ctr"/>
-          <a:lstStyle/>
-          <a:p>
-            <a:pPr algn="ctr"/>
-            <a:r>
-              <a:rPr kumimoji="1" lang="ja-JP" altLang="en-US" sz="900" dirty="0" smtClean="0"/>
-              <a:t>青</a:t>
-            </a:r>
-            <a:endParaRPr kumimoji="1" lang="en-US" altLang="ja-JP" sz="900" dirty="0" smtClean="0"/>
-          </a:p>
-          <a:p>
-            <a:pPr algn="ctr"/>
-            <a:r>
-              <a:rPr lang="ja-JP" altLang="en-US" sz="900" dirty="0"/>
+          <p:cNvPr id="123" name="角丸四角形 122"/>
+          <p:cNvSpPr/>
+          <p:nvPr/>
+        </p:nvSpPr>
+        <p:spPr>
+          <a:xfrm>
+            <a:off x="6885485" y="3930376"/>
+            <a:ext cx="466343" cy="467140"/>
+          </a:xfrm>
+          <a:prstGeom prst="roundRect">
+            <a:avLst/>
+          </a:prstGeom>
+        </p:spPr>
+        <p:style>
+          <a:lnRef idx="2">
+            <a:schemeClr val="accent6"/>
+          </a:lnRef>
+          <a:fillRef idx="1">
+            <a:schemeClr val="lt1"/>
+          </a:fillRef>
+          <a:effectRef idx="0">
+            <a:schemeClr val="accent6"/>
+          </a:effectRef>
+          <a:fontRef idx="minor">
+            <a:schemeClr val="dk1"/>
+          </a:fontRef>
+        </p:style>
+        <p:txBody>
+          <a:bodyPr wrap="none" rtlCol="0" anchor="ctr"/>
+          <a:lstStyle/>
+          <a:p>
+            <a:pPr algn="ctr"/>
+            <a:endParaRPr kumimoji="1" lang="ja-JP" altLang="en-US" sz="900" dirty="0"/>
+          </a:p>
+        </p:txBody>
+      </p:sp>
+      <p:sp>
+        <p:nvSpPr>
+          <p:cNvPr id="124" name="角丸四角形 123"/>
+          <p:cNvSpPr/>
+          <p:nvPr/>
+        </p:nvSpPr>
+        <p:spPr>
+          <a:xfrm>
+            <a:off x="7419621" y="3930376"/>
+            <a:ext cx="466343" cy="467140"/>
+          </a:xfrm>
+          <a:prstGeom prst="roundRect">
+            <a:avLst/>
+          </a:prstGeom>
+        </p:spPr>
+        <p:style>
+          <a:lnRef idx="2">
+            <a:schemeClr val="accent6"/>
+          </a:lnRef>
+          <a:fillRef idx="1">
+            <a:schemeClr val="lt1"/>
+          </a:fillRef>
+          <a:effectRef idx="0">
+            <a:schemeClr val="accent6"/>
+          </a:effectRef>
+          <a:fontRef idx="minor">
+            <a:schemeClr val="dk1"/>
+          </a:fontRef>
+        </p:style>
+        <p:txBody>
+          <a:bodyPr wrap="none" rtlCol="0" anchor="ctr"/>
+          <a:lstStyle/>
+          <a:p>
+            <a:pPr algn="ctr"/>
+            <a:endParaRPr kumimoji="1" lang="ja-JP" altLang="en-US" sz="900" dirty="0"/>
+          </a:p>
+        </p:txBody>
+      </p:sp>
+      <p:sp>
+        <p:nvSpPr>
+          <p:cNvPr id="125" name="角丸四角形 124"/>
+          <p:cNvSpPr/>
+          <p:nvPr/>
+        </p:nvSpPr>
+        <p:spPr>
+          <a:xfrm>
+            <a:off x="1544125" y="3930376"/>
+            <a:ext cx="466343" cy="467140"/>
+          </a:xfrm>
+          <a:prstGeom prst="roundRect">
+            <a:avLst/>
+          </a:prstGeom>
+        </p:spPr>
+        <p:style>
+          <a:lnRef idx="2">
+            <a:schemeClr val="accent6"/>
+          </a:lnRef>
+          <a:fillRef idx="1">
+            <a:schemeClr val="lt1"/>
+          </a:fillRef>
+          <a:effectRef idx="0">
+            <a:schemeClr val="accent6"/>
+          </a:effectRef>
+          <a:fontRef idx="minor">
+            <a:schemeClr val="dk1"/>
+          </a:fontRef>
+        </p:style>
+        <p:txBody>
+          <a:bodyPr wrap="none" rtlCol="0" anchor="ctr"/>
+          <a:lstStyle/>
+          <a:p>
+            <a:pPr algn="ctr"/>
+            <a:r>
+              <a:rPr kumimoji="1" lang="ja-JP" altLang="en-US" sz="900" dirty="0" smtClean="0">
+                <a:solidFill>
+                  <a:schemeClr val="accent5">
+                    <a:lumMod val="75000"/>
+                  </a:schemeClr>
+                </a:solidFill>
+              </a:rPr>
+              <a:t>橙</a:t>
+            </a:r>
+            <a:endParaRPr kumimoji="1" lang="en-US" altLang="ja-JP" sz="900" dirty="0" smtClean="0">
+              <a:solidFill>
+                <a:schemeClr val="accent5">
+                  <a:lumMod val="75000"/>
+                </a:schemeClr>
+              </a:solidFill>
+            </a:endParaRPr>
+          </a:p>
+          <a:p>
+            <a:pPr algn="ctr"/>
+            <a:r>
+              <a:rPr lang="ja-JP" altLang="en-US" sz="900" dirty="0">
+                <a:solidFill>
+                  <a:schemeClr val="accent5">
+                    <a:lumMod val="75000"/>
+                  </a:schemeClr>
+                </a:solidFill>
+              </a:rPr>
               <a:t>文字</a:t>
             </a:r>
-            <a:endParaRPr kumimoji="1" lang="ja-JP" altLang="en-US" sz="900" dirty="0"/>
-          </a:p>
-        </p:txBody>
-      </p:sp>
-      <p:sp>
-        <p:nvSpPr>
-          <p:cNvPr id="83" name="角丸四角形 82"/>
-          <p:cNvSpPr/>
-          <p:nvPr/>
-        </p:nvSpPr>
-        <p:spPr>
-          <a:xfrm>
-            <a:off x="2612397" y="3930376"/>
-            <a:ext cx="466343" cy="467140"/>
-          </a:xfrm>
-          <a:prstGeom prst="roundRect">
-            <a:avLst/>
-          </a:prstGeom>
-        </p:spPr>
-        <p:style>
-          <a:lnRef idx="2">
-            <a:schemeClr val="accent6"/>
-          </a:lnRef>
-          <a:fillRef idx="1">
-            <a:schemeClr val="lt1"/>
-          </a:fillRef>
-          <a:effectRef idx="0">
-            <a:schemeClr val="accent6"/>
-          </a:effectRef>
-          <a:fontRef idx="minor">
-            <a:schemeClr val="dk1"/>
-          </a:fontRef>
-        </p:style>
-        <p:txBody>
-          <a:bodyPr wrap="none" rtlCol="0" anchor="ctr"/>
-          <a:lstStyle/>
-          <a:p>
-            <a:pPr algn="ctr"/>
-            <a:r>
-              <a:rPr kumimoji="1" lang="ja-JP" altLang="en-US" sz="900" dirty="0" smtClean="0"/>
-              <a:t>緑</a:t>
-            </a:r>
-            <a:endParaRPr kumimoji="1" lang="en-US" altLang="ja-JP" sz="900" dirty="0" smtClean="0"/>
-          </a:p>
-          <a:p>
-            <a:pPr algn="ctr"/>
-            <a:r>
-              <a:rPr lang="ja-JP" altLang="en-US" sz="900" dirty="0"/>
-              <a:t>文字</a:t>
-            </a:r>
-            <a:endParaRPr kumimoji="1" lang="ja-JP" altLang="en-US" sz="900" dirty="0"/>
-          </a:p>
-        </p:txBody>
-      </p:sp>
-      <p:sp>
-        <p:nvSpPr>
-          <p:cNvPr id="84" name="角丸四角形 83"/>
-          <p:cNvSpPr/>
-          <p:nvPr/>
-        </p:nvSpPr>
-        <p:spPr>
-          <a:xfrm>
-            <a:off x="3146533" y="3930376"/>
-            <a:ext cx="466343" cy="467140"/>
-          </a:xfrm>
-          <a:prstGeom prst="roundRect">
-            <a:avLst/>
-          </a:prstGeom>
-        </p:spPr>
-        <p:style>
-          <a:lnRef idx="2">
-            <a:schemeClr val="accent6"/>
-          </a:lnRef>
-          <a:fillRef idx="1">
-            <a:schemeClr val="lt1"/>
-          </a:fillRef>
-          <a:effectRef idx="0">
-            <a:schemeClr val="accent6"/>
-          </a:effectRef>
-          <a:fontRef idx="minor">
-            <a:schemeClr val="dk1"/>
-          </a:fontRef>
-        </p:style>
-        <p:txBody>
-          <a:bodyPr wrap="none" rtlCol="0" anchor="ctr"/>
-          <a:lstStyle/>
-          <a:p>
-            <a:pPr algn="ctr"/>
-            <a:r>
-              <a:rPr kumimoji="1" lang="ja-JP" altLang="en-US" sz="900" dirty="0" smtClean="0"/>
-              <a:t>赤</a:t>
-            </a:r>
-            <a:endParaRPr kumimoji="1" lang="en-US" altLang="ja-JP" sz="900" dirty="0" smtClean="0"/>
-          </a:p>
-          <a:p>
-            <a:pPr algn="ctr"/>
-            <a:r>
-              <a:rPr lang="ja-JP" altLang="en-US" sz="900" dirty="0"/>
-              <a:t>文字</a:t>
-            </a:r>
-            <a:endParaRPr kumimoji="1" lang="ja-JP" altLang="en-US" sz="900" dirty="0"/>
-          </a:p>
-        </p:txBody>
-      </p:sp>
-      <p:sp>
-        <p:nvSpPr>
-          <p:cNvPr id="85" name="角丸四角形 84"/>
-          <p:cNvSpPr/>
-          <p:nvPr/>
-        </p:nvSpPr>
-        <p:spPr>
-          <a:xfrm>
-            <a:off x="3680669" y="3930376"/>
-            <a:ext cx="466343" cy="467140"/>
-          </a:xfrm>
-          <a:prstGeom prst="roundRect">
-            <a:avLst/>
-          </a:prstGeom>
-        </p:spPr>
-        <p:style>
-          <a:lnRef idx="2">
-            <a:schemeClr val="accent6"/>
-          </a:lnRef>
-          <a:fillRef idx="1">
-            <a:schemeClr val="lt1"/>
-          </a:fillRef>
-          <a:effectRef idx="0">
-            <a:schemeClr val="accent6"/>
-          </a:effectRef>
-          <a:fontRef idx="minor">
-            <a:schemeClr val="dk1"/>
-          </a:fontRef>
-        </p:style>
-        <p:txBody>
-          <a:bodyPr wrap="none" rtlCol="0" anchor="ctr"/>
-          <a:lstStyle/>
-          <a:p>
-            <a:pPr algn="ctr"/>
-            <a:r>
-              <a:rPr kumimoji="1" lang="ja-JP" altLang="en-US" sz="900" dirty="0" smtClean="0"/>
-              <a:t>文字</a:t>
-            </a:r>
-            <a:endParaRPr kumimoji="1" lang="en-US" altLang="ja-JP" sz="900" dirty="0" smtClean="0"/>
-          </a:p>
-          <a:p>
-            <a:pPr algn="ctr"/>
-            <a:r>
-              <a:rPr lang="ja-JP" altLang="en-US" sz="900" dirty="0"/>
-              <a:t>色変更</a:t>
-            </a:r>
-            <a:endParaRPr kumimoji="1" lang="ja-JP" altLang="en-US" sz="900" dirty="0"/>
-          </a:p>
-        </p:txBody>
-      </p:sp>
-      <p:sp>
-        <p:nvSpPr>
-          <p:cNvPr id="86" name="角丸四角形 85"/>
-          <p:cNvSpPr/>
-          <p:nvPr/>
-        </p:nvSpPr>
-        <p:spPr>
-          <a:xfrm>
-            <a:off x="4214805" y="3930376"/>
-            <a:ext cx="466343" cy="467140"/>
-          </a:xfrm>
-          <a:prstGeom prst="roundRect">
-            <a:avLst/>
-          </a:prstGeom>
-        </p:spPr>
-        <p:style>
-          <a:lnRef idx="2">
-            <a:schemeClr val="accent6"/>
-          </a:lnRef>
-          <a:fillRef idx="1">
-            <a:schemeClr val="lt1"/>
-          </a:fillRef>
-          <a:effectRef idx="0">
-            <a:schemeClr val="accent6"/>
-          </a:effectRef>
-          <a:fontRef idx="minor">
-            <a:schemeClr val="dk1"/>
-          </a:fontRef>
-        </p:style>
-        <p:txBody>
-          <a:bodyPr wrap="none" rtlCol="0" anchor="ctr"/>
-          <a:lstStyle/>
-          <a:p>
-            <a:pPr algn="ctr"/>
-            <a:endParaRPr kumimoji="1" lang="ja-JP" altLang="en-US" sz="900" dirty="0"/>
-          </a:p>
-        </p:txBody>
-      </p:sp>
-      <p:sp>
-        <p:nvSpPr>
-          <p:cNvPr id="87" name="角丸四角形 86"/>
-          <p:cNvSpPr/>
-          <p:nvPr/>
-        </p:nvSpPr>
-        <p:spPr>
-          <a:xfrm>
-            <a:off x="4748941" y="3930376"/>
-            <a:ext cx="466343" cy="467140"/>
-          </a:xfrm>
-          <a:prstGeom prst="roundRect">
-            <a:avLst/>
-          </a:prstGeom>
-        </p:spPr>
-        <p:style>
-          <a:lnRef idx="2">
-            <a:schemeClr val="accent6"/>
-          </a:lnRef>
-          <a:fillRef idx="1">
-            <a:schemeClr val="lt1"/>
-          </a:fillRef>
-          <a:effectRef idx="0">
-            <a:schemeClr val="accent6"/>
-          </a:effectRef>
-          <a:fontRef idx="minor">
-            <a:schemeClr val="dk1"/>
-          </a:fontRef>
-        </p:style>
-        <p:txBody>
-          <a:bodyPr wrap="none" rtlCol="0" anchor="ctr"/>
-          <a:lstStyle/>
-          <a:p>
-            <a:pPr algn="ctr"/>
-            <a:endParaRPr kumimoji="1" lang="ja-JP" altLang="en-US" sz="900" dirty="0"/>
-          </a:p>
-        </p:txBody>
-      </p:sp>
-      <p:sp>
-        <p:nvSpPr>
-          <p:cNvPr id="88" name="角丸四角形 87"/>
-          <p:cNvSpPr/>
-          <p:nvPr/>
-        </p:nvSpPr>
-        <p:spPr>
-          <a:xfrm>
-            <a:off x="5283077" y="3930376"/>
-            <a:ext cx="466343" cy="467140"/>
-          </a:xfrm>
-          <a:prstGeom prst="roundRect">
-            <a:avLst/>
-          </a:prstGeom>
-        </p:spPr>
-        <p:style>
-          <a:lnRef idx="2">
-            <a:schemeClr val="accent6"/>
-          </a:lnRef>
-          <a:fillRef idx="1">
-            <a:schemeClr val="lt1"/>
-          </a:fillRef>
-          <a:effectRef idx="0">
-            <a:schemeClr val="accent6"/>
-          </a:effectRef>
-          <a:fontRef idx="minor">
-            <a:schemeClr val="dk1"/>
-          </a:fontRef>
-        </p:style>
-        <p:txBody>
-          <a:bodyPr wrap="none" rtlCol="0" anchor="ctr"/>
-          <a:lstStyle/>
-          <a:p>
-            <a:pPr algn="ctr"/>
-            <a:endParaRPr kumimoji="1" lang="en-US" altLang="ja-JP" sz="900" dirty="0" smtClean="0"/>
-          </a:p>
-        </p:txBody>
-      </p:sp>
-      <p:sp>
-        <p:nvSpPr>
-          <p:cNvPr id="121" name="角丸四角形 120"/>
-          <p:cNvSpPr/>
-          <p:nvPr/>
-        </p:nvSpPr>
-        <p:spPr>
-          <a:xfrm>
-            <a:off x="5817213" y="3930376"/>
-            <a:ext cx="466343" cy="467140"/>
-          </a:xfrm>
-          <a:prstGeom prst="roundRect">
-            <a:avLst/>
-          </a:prstGeom>
-        </p:spPr>
-        <p:style>
-          <a:lnRef idx="2">
-            <a:schemeClr val="accent6"/>
-          </a:lnRef>
-          <a:fillRef idx="1">
-            <a:schemeClr val="lt1"/>
-          </a:fillRef>
-          <a:effectRef idx="0">
-            <a:schemeClr val="accent6"/>
-          </a:effectRef>
-          <a:fontRef idx="minor">
-            <a:schemeClr val="dk1"/>
-          </a:fontRef>
-        </p:style>
-        <p:txBody>
-          <a:bodyPr wrap="none" rtlCol="0" anchor="ctr"/>
-          <a:lstStyle/>
-          <a:p>
-            <a:pPr algn="ctr"/>
-            <a:endParaRPr kumimoji="1" lang="ja-JP" altLang="en-US" sz="900" dirty="0"/>
-          </a:p>
-        </p:txBody>
-      </p:sp>
-      <p:sp>
-        <p:nvSpPr>
-          <p:cNvPr id="122" name="角丸四角形 121"/>
-          <p:cNvSpPr/>
-          <p:nvPr/>
-        </p:nvSpPr>
-        <p:spPr>
-          <a:xfrm>
-            <a:off x="6351349" y="3930376"/>
-            <a:ext cx="466343" cy="467140"/>
-          </a:xfrm>
-          <a:prstGeom prst="roundRect">
-            <a:avLst/>
-          </a:prstGeom>
-        </p:spPr>
-        <p:style>
-          <a:lnRef idx="2">
-            <a:schemeClr val="accent6"/>
-          </a:lnRef>
-          <a:fillRef idx="1">
-            <a:schemeClr val="lt1"/>
-          </a:fillRef>
-          <a:effectRef idx="0">
-            <a:schemeClr val="accent6"/>
-          </a:effectRef>
-          <a:fontRef idx="minor">
-            <a:schemeClr val="dk1"/>
-          </a:fontRef>
-        </p:style>
-        <p:txBody>
-          <a:bodyPr wrap="none" rtlCol="0" anchor="ctr"/>
-          <a:lstStyle/>
-          <a:p>
-            <a:pPr algn="ctr"/>
-            <a:endParaRPr kumimoji="1" lang="ja-JP" altLang="en-US" sz="900" dirty="0"/>
-          </a:p>
-        </p:txBody>
-      </p:sp>
-      <p:sp>
-        <p:nvSpPr>
-          <p:cNvPr id="123" name="角丸四角形 122"/>
-          <p:cNvSpPr/>
-          <p:nvPr/>
-        </p:nvSpPr>
-        <p:spPr>
-          <a:xfrm>
-            <a:off x="6885485" y="3930376"/>
-            <a:ext cx="466343" cy="467140"/>
-          </a:xfrm>
-          <a:prstGeom prst="roundRect">
-            <a:avLst/>
-          </a:prstGeom>
-        </p:spPr>
-        <p:style>
-          <a:lnRef idx="2">
-            <a:schemeClr val="accent6"/>
-          </a:lnRef>
-          <a:fillRef idx="1">
-            <a:schemeClr val="lt1"/>
-          </a:fillRef>
-          <a:effectRef idx="0">
-            <a:schemeClr val="accent6"/>
-          </a:effectRef>
-          <a:fontRef idx="minor">
-            <a:schemeClr val="dk1"/>
-          </a:fontRef>
-        </p:style>
-        <p:txBody>
-          <a:bodyPr wrap="none" rtlCol="0" anchor="ctr"/>
-          <a:lstStyle/>
-          <a:p>
-            <a:pPr algn="ctr"/>
-            <a:endParaRPr kumimoji="1" lang="ja-JP" altLang="en-US" sz="900" dirty="0"/>
-          </a:p>
-        </p:txBody>
-      </p:sp>
-      <p:sp>
-        <p:nvSpPr>
-          <p:cNvPr id="124" name="角丸四角形 123"/>
-          <p:cNvSpPr/>
-          <p:nvPr/>
-        </p:nvSpPr>
-        <p:spPr>
-          <a:xfrm>
-            <a:off x="7419621" y="3930376"/>
-            <a:ext cx="466343" cy="467140"/>
-          </a:xfrm>
-          <a:prstGeom prst="roundRect">
-            <a:avLst/>
-          </a:prstGeom>
-        </p:spPr>
-        <p:style>
-          <a:lnRef idx="2">
-            <a:schemeClr val="accent6"/>
-          </a:lnRef>
-          <a:fillRef idx="1">
-            <a:schemeClr val="lt1"/>
-          </a:fillRef>
-          <a:effectRef idx="0">
-            <a:schemeClr val="accent6"/>
-          </a:effectRef>
-          <a:fontRef idx="minor">
-            <a:schemeClr val="dk1"/>
-          </a:fontRef>
-        </p:style>
-        <p:txBody>
-          <a:bodyPr wrap="none" rtlCol="0" anchor="ctr"/>
-          <a:lstStyle/>
-          <a:p>
-            <a:pPr algn="ctr"/>
-            <a:endParaRPr kumimoji="1" lang="ja-JP" altLang="en-US" sz="900" dirty="0"/>
-          </a:p>
-        </p:txBody>
-      </p:sp>
-      <p:sp>
-        <p:nvSpPr>
-          <p:cNvPr id="125" name="角丸四角形 124"/>
-          <p:cNvSpPr/>
-          <p:nvPr/>
-        </p:nvSpPr>
-        <p:spPr>
-          <a:xfrm>
-            <a:off x="1544125" y="3930376"/>
-            <a:ext cx="466343" cy="467140"/>
-          </a:xfrm>
-          <a:prstGeom prst="roundRect">
-            <a:avLst/>
-          </a:prstGeom>
-        </p:spPr>
-        <p:style>
-          <a:lnRef idx="2">
-            <a:schemeClr val="accent6"/>
-          </a:lnRef>
-          <a:fillRef idx="1">
-            <a:schemeClr val="lt1"/>
-          </a:fillRef>
-          <a:effectRef idx="0">
-            <a:schemeClr val="accent6"/>
-          </a:effectRef>
-          <a:fontRef idx="minor">
-            <a:schemeClr val="dk1"/>
-          </a:fontRef>
-        </p:style>
-        <p:txBody>
-          <a:bodyPr wrap="none" rtlCol="0" anchor="ctr"/>
-          <a:lstStyle/>
-          <a:p>
-            <a:pPr algn="ctr"/>
-            <a:r>
-              <a:rPr kumimoji="1" lang="ja-JP" altLang="en-US" sz="900" dirty="0" smtClean="0"/>
-              <a:t>橙</a:t>
-            </a:r>
-            <a:endParaRPr kumimoji="1" lang="en-US" altLang="ja-JP" sz="900" dirty="0" smtClean="0"/>
-          </a:p>
-          <a:p>
-            <a:pPr algn="ctr"/>
-            <a:r>
-              <a:rPr lang="ja-JP" altLang="en-US" sz="900" dirty="0"/>
-              <a:t>文字</a:t>
-            </a:r>
-            <a:endParaRPr kumimoji="1" lang="ja-JP" altLang="en-US" sz="900" dirty="0"/>
+            <a:endParaRPr kumimoji="1" lang="ja-JP" altLang="en-US" sz="900" dirty="0">
+              <a:solidFill>
+                <a:schemeClr val="accent5">
+                  <a:lumMod val="75000"/>
+                </a:schemeClr>
+              </a:solidFill>
+            </a:endParaRPr>
           </a:p>
         </p:txBody>
       </p:sp>
@@ -23751,6 +24004,47 @@
           </a:p>
         </p:txBody>
       </p:sp>
+      <p:pic>
+        <p:nvPicPr>
+          <p:cNvPr id="1026" name="Picture 2" descr="https://upload.wikimedia.org/wikipedia/commons/thumb/b/b0/Microsoft_PowerPoint_2013_logo.svg/2000px-Microsoft_PowerPoint_2013_logo.svg.png"/>
+          <p:cNvPicPr>
+            <a:picLocks noChangeAspect="1" noChangeArrowheads="1"/>
+          </p:cNvPicPr>
+          <p:nvPr/>
+        </p:nvPicPr>
+        <p:blipFill>
+          <a:blip r:embed="rId2" cstate="print">
+            <a:extLst>
+              <a:ext uri="{28A0092B-C50C-407E-A947-70E740481C1C}">
+                <a14:useLocalDpi xmlns:a14="http://schemas.microsoft.com/office/drawing/2010/main" val="0"/>
+              </a:ext>
+            </a:extLst>
+          </a:blip>
+          <a:srcRect/>
+          <a:stretch>
+            <a:fillRect/>
+          </a:stretch>
+        </p:blipFill>
+        <p:spPr bwMode="auto">
+          <a:xfrm>
+            <a:off x="5198771" y="2231090"/>
+            <a:ext cx="792834" cy="779012"/>
+          </a:xfrm>
+          <a:prstGeom prst="rect">
+            <a:avLst/>
+          </a:prstGeom>
+          <a:noFill/>
+          <a:extLst>
+            <a:ext uri="{909E8E84-426E-40DD-AFC4-6F175D3DCCD1}">
+              <a14:hiddenFill xmlns:a14="http://schemas.microsoft.com/office/drawing/2010/main">
+                <a:solidFill>
+                  <a:srgbClr val="FFFFFF"/>
+                </a:solidFill>
+              </a14:hiddenFill>
+            </a:ext>
+          </a:extLst>
+        </p:spPr>
+      </p:pic>
     </p:spTree>
     <p:extLst>
       <p:ext uri="{BB962C8B-B14F-4D97-AF65-F5344CB8AC3E}">

--- a/マニュアル.pptx
+++ b/マニュアル.pptx
@@ -7,9 +7,9 @@
   <p:sldIdLst>
     <p:sldId id="256" r:id="rId2"/>
     <p:sldId id="262" r:id="rId3"/>
-    <p:sldId id="266" r:id="rId4"/>
-    <p:sldId id="267" r:id="rId5"/>
-    <p:sldId id="269" r:id="rId6"/>
+    <p:sldId id="267" r:id="rId4"/>
+    <p:sldId id="269" r:id="rId5"/>
+    <p:sldId id="266" r:id="rId6"/>
     <p:sldId id="273" r:id="rId7"/>
     <p:sldId id="281" r:id="rId8"/>
     <p:sldId id="274" r:id="rId9"/>
@@ -261,7 +261,7 @@
           <a:p>
             <a:fld id="{8FB4C7EE-3C5D-4F47-A8DE-21B759CA57C5}" type="datetimeFigureOut">
               <a:rPr kumimoji="1" lang="ja-JP" altLang="en-US" smtClean="0"/>
-              <a:t>2015/9/14</a:t>
+              <a:t>2015/9/18</a:t>
             </a:fld>
             <a:endParaRPr kumimoji="1" lang="ja-JP" altLang="en-US"/>
           </a:p>
@@ -463,7 +463,7 @@
           <a:p>
             <a:fld id="{8FB4C7EE-3C5D-4F47-A8DE-21B759CA57C5}" type="datetimeFigureOut">
               <a:rPr kumimoji="1" lang="ja-JP" altLang="en-US" smtClean="0"/>
-              <a:t>2015/9/14</a:t>
+              <a:t>2015/9/18</a:t>
             </a:fld>
             <a:endParaRPr kumimoji="1" lang="ja-JP" altLang="en-US"/>
           </a:p>
@@ -675,7 +675,7 @@
           <a:p>
             <a:fld id="{8FB4C7EE-3C5D-4F47-A8DE-21B759CA57C5}" type="datetimeFigureOut">
               <a:rPr kumimoji="1" lang="ja-JP" altLang="en-US" smtClean="0"/>
-              <a:t>2015/9/14</a:t>
+              <a:t>2015/9/18</a:t>
             </a:fld>
             <a:endParaRPr kumimoji="1" lang="ja-JP" altLang="en-US"/>
           </a:p>
@@ -877,7 +877,7 @@
           <a:p>
             <a:fld id="{8FB4C7EE-3C5D-4F47-A8DE-21B759CA57C5}" type="datetimeFigureOut">
               <a:rPr kumimoji="1" lang="ja-JP" altLang="en-US" smtClean="0"/>
-              <a:t>2015/9/14</a:t>
+              <a:t>2015/9/18</a:t>
             </a:fld>
             <a:endParaRPr kumimoji="1" lang="ja-JP" altLang="en-US"/>
           </a:p>
@@ -1121,7 +1121,7 @@
           <a:p>
             <a:fld id="{8FB4C7EE-3C5D-4F47-A8DE-21B759CA57C5}" type="datetimeFigureOut">
               <a:rPr kumimoji="1" lang="ja-JP" altLang="en-US" smtClean="0"/>
-              <a:t>2015/9/14</a:t>
+              <a:t>2015/9/18</a:t>
             </a:fld>
             <a:endParaRPr kumimoji="1" lang="ja-JP" altLang="en-US"/>
           </a:p>
@@ -1417,7 +1417,7 @@
           <a:p>
             <a:fld id="{8FB4C7EE-3C5D-4F47-A8DE-21B759CA57C5}" type="datetimeFigureOut">
               <a:rPr kumimoji="1" lang="ja-JP" altLang="en-US" smtClean="0"/>
-              <a:t>2015/9/14</a:t>
+              <a:t>2015/9/18</a:t>
             </a:fld>
             <a:endParaRPr kumimoji="1" lang="ja-JP" altLang="en-US"/>
           </a:p>
@@ -1848,7 +1848,7 @@
           <a:p>
             <a:fld id="{8FB4C7EE-3C5D-4F47-A8DE-21B759CA57C5}" type="datetimeFigureOut">
               <a:rPr kumimoji="1" lang="ja-JP" altLang="en-US" smtClean="0"/>
-              <a:t>2015/9/14</a:t>
+              <a:t>2015/9/18</a:t>
             </a:fld>
             <a:endParaRPr kumimoji="1" lang="ja-JP" altLang="en-US"/>
           </a:p>
@@ -1966,7 +1966,7 @@
           <a:p>
             <a:fld id="{8FB4C7EE-3C5D-4F47-A8DE-21B759CA57C5}" type="datetimeFigureOut">
               <a:rPr kumimoji="1" lang="ja-JP" altLang="en-US" smtClean="0"/>
-              <a:t>2015/9/14</a:t>
+              <a:t>2015/9/18</a:t>
             </a:fld>
             <a:endParaRPr kumimoji="1" lang="ja-JP" altLang="en-US"/>
           </a:p>
@@ -2061,7 +2061,7 @@
           <a:p>
             <a:fld id="{8FB4C7EE-3C5D-4F47-A8DE-21B759CA57C5}" type="datetimeFigureOut">
               <a:rPr kumimoji="1" lang="ja-JP" altLang="en-US" smtClean="0"/>
-              <a:t>2015/9/14</a:t>
+              <a:t>2015/9/18</a:t>
             </a:fld>
             <a:endParaRPr kumimoji="1" lang="ja-JP" altLang="en-US"/>
           </a:p>
@@ -2370,7 +2370,7 @@
           <a:p>
             <a:fld id="{8FB4C7EE-3C5D-4F47-A8DE-21B759CA57C5}" type="datetimeFigureOut">
               <a:rPr kumimoji="1" lang="ja-JP" altLang="en-US" smtClean="0"/>
-              <a:t>2015/9/14</a:t>
+              <a:t>2015/9/18</a:t>
             </a:fld>
             <a:endParaRPr kumimoji="1" lang="ja-JP" altLang="en-US"/>
           </a:p>
@@ -2627,7 +2627,7 @@
           <a:p>
             <a:fld id="{8FB4C7EE-3C5D-4F47-A8DE-21B759CA57C5}" type="datetimeFigureOut">
               <a:rPr kumimoji="1" lang="ja-JP" altLang="en-US" smtClean="0"/>
-              <a:t>2015/9/14</a:t>
+              <a:t>2015/9/18</a:t>
             </a:fld>
             <a:endParaRPr kumimoji="1" lang="ja-JP" altLang="en-US"/>
           </a:p>
@@ -2872,7 +2872,7 @@
           <a:p>
             <a:fld id="{8FB4C7EE-3C5D-4F47-A8DE-21B759CA57C5}" type="datetimeFigureOut">
               <a:rPr kumimoji="1" lang="ja-JP" altLang="en-US" smtClean="0"/>
-              <a:t>2015/9/14</a:t>
+              <a:t>2015/9/18</a:t>
             </a:fld>
             <a:endParaRPr kumimoji="1" lang="ja-JP" altLang="en-US"/>
           </a:p>
@@ -21548,11 +21548,6 @@
               </a:rPr>
               <a:t>On</a:t>
             </a:r>
-            <a:endParaRPr lang="en-US" altLang="ja-JP" sz="4000" dirty="0" smtClean="0">
-              <a:solidFill>
-                <a:srgbClr val="C00000"/>
-              </a:solidFill>
-            </a:endParaRPr>
           </a:p>
         </p:txBody>
       </p:sp>
@@ -26363,25 +26358,25 @@
           <a:lstStyle/>
           <a:p>
             <a:r>
-              <a:rPr kumimoji="1" lang="en-US" altLang="ja-JP" dirty="0" smtClean="0">
-                <a:latin typeface="+mn-lt"/>
+              <a:rPr kumimoji="1" lang="en-US" altLang="ja-JP" sz="3600" dirty="0" smtClean="0">
+                <a:latin typeface="+mj-ea"/>
               </a:rPr>
               <a:t>Mouse </a:t>
             </a:r>
             <a:r>
-              <a:rPr lang="en-US" altLang="ja-JP" dirty="0" smtClean="0">
-                <a:latin typeface="+mn-lt"/>
+              <a:rPr lang="en-US" altLang="ja-JP" sz="3600" dirty="0" smtClean="0">
+                <a:latin typeface="+mj-ea"/>
               </a:rPr>
               <a:t>: </a:t>
             </a:r>
             <a:r>
-              <a:rPr kumimoji="1" lang="en-US" altLang="ja-JP" dirty="0" smtClean="0">
-                <a:latin typeface="+mn-lt"/>
+              <a:rPr kumimoji="1" lang="en-US" altLang="ja-JP" sz="3600" dirty="0" smtClean="0">
+                <a:latin typeface="+mj-ea"/>
               </a:rPr>
               <a:t>Steelseries Kana </a:t>
             </a:r>
-            <a:endParaRPr kumimoji="1" lang="ja-JP" altLang="en-US" dirty="0">
-              <a:latin typeface="+mn-lt"/>
+            <a:endParaRPr kumimoji="1" lang="ja-JP" altLang="en-US" sz="3600" dirty="0">
+              <a:latin typeface="+mj-ea"/>
             </a:endParaRPr>
           </a:p>
         </p:txBody>
@@ -26405,10 +26400,10 @@
               <a:buNone/>
             </a:pPr>
             <a:r>
-              <a:rPr kumimoji="1" lang="en-US" altLang="ja-JP" dirty="0" smtClean="0"/>
+              <a:rPr kumimoji="1" lang="en-US" altLang="ja-JP" sz="2400" dirty="0" smtClean="0"/>
               <a:t>Default</a:t>
             </a:r>
-            <a:endParaRPr kumimoji="1" lang="ja-JP" altLang="en-US" dirty="0"/>
+            <a:endParaRPr kumimoji="1" lang="ja-JP" altLang="en-US" sz="2400" dirty="0"/>
           </a:p>
         </p:txBody>
       </p:sp>
@@ -26486,7 +26481,10 @@
           <a:lstStyle/>
           <a:p>
             <a:pPr algn="ctr"/>
-            <a:endParaRPr kumimoji="1" lang="ja-JP" altLang="en-US"/>
+            <a:endParaRPr kumimoji="1" lang="ja-JP" altLang="en-US" sz="1400">
+              <a:latin typeface="+mj-ea"/>
+              <a:ea typeface="+mj-ea"/>
+            </a:endParaRPr>
           </a:p>
         </p:txBody>
       </p:sp>
@@ -26529,7 +26527,10 @@
           <a:lstStyle/>
           <a:p>
             <a:pPr algn="ctr"/>
-            <a:endParaRPr kumimoji="1" lang="ja-JP" altLang="en-US"/>
+            <a:endParaRPr kumimoji="1" lang="ja-JP" altLang="en-US" sz="1400">
+              <a:latin typeface="+mj-ea"/>
+              <a:ea typeface="+mj-ea"/>
+            </a:endParaRPr>
           </a:p>
         </p:txBody>
       </p:sp>
@@ -26551,7 +26552,9 @@
           </a:prstGeom>
           <a:ln w="28575">
             <a:solidFill>
-              <a:schemeClr val="accent5"/>
+              <a:schemeClr val="accent5">
+                <a:lumMod val="75000"/>
+              </a:schemeClr>
             </a:solidFill>
             <a:tailEnd type="triangle"/>
           </a:ln>
@@ -26587,7 +26590,9 @@
           </a:prstGeom>
           <a:ln w="28575">
             <a:solidFill>
-              <a:schemeClr val="accent5"/>
+              <a:schemeClr val="accent5">
+                <a:lumMod val="75000"/>
+              </a:schemeClr>
             </a:solidFill>
           </a:ln>
         </p:spPr>
@@ -26611,10 +26616,26 @@
           <a:p>
             <a:pPr algn="ctr"/>
             <a:r>
-              <a:rPr lang="en-US" altLang="ja-JP" dirty="0" smtClean="0"/>
+              <a:rPr lang="en-US" altLang="ja-JP" sz="1400" dirty="0" smtClean="0">
+                <a:solidFill>
+                  <a:schemeClr val="accent5">
+                    <a:lumMod val="75000"/>
+                  </a:schemeClr>
+                </a:solidFill>
+                <a:latin typeface="+mj-ea"/>
+                <a:ea typeface="+mj-ea"/>
+              </a:rPr>
               <a:t>Wheel Down</a:t>
             </a:r>
-            <a:endParaRPr kumimoji="1" lang="ja-JP" altLang="en-US" dirty="0"/>
+            <a:endParaRPr kumimoji="1" lang="ja-JP" altLang="en-US" sz="1400" dirty="0">
+              <a:solidFill>
+                <a:schemeClr val="accent5">
+                  <a:lumMod val="75000"/>
+                </a:schemeClr>
+              </a:solidFill>
+              <a:latin typeface="+mj-ea"/>
+              <a:ea typeface="+mj-ea"/>
+            </a:endParaRPr>
           </a:p>
         </p:txBody>
       </p:sp>
@@ -26634,7 +26655,9 @@
           </a:prstGeom>
           <a:ln w="28575">
             <a:solidFill>
-              <a:schemeClr val="accent5"/>
+              <a:schemeClr val="accent5">
+                <a:lumMod val="75000"/>
+              </a:schemeClr>
             </a:solidFill>
           </a:ln>
         </p:spPr>
@@ -26658,10 +26681,26 @@
           <a:p>
             <a:pPr algn="ctr"/>
             <a:r>
-              <a:rPr kumimoji="1" lang="en-US" altLang="ja-JP" dirty="0" smtClean="0"/>
+              <a:rPr kumimoji="1" lang="en-US" altLang="ja-JP" sz="1400" dirty="0" smtClean="0">
+                <a:solidFill>
+                  <a:schemeClr val="accent5">
+                    <a:lumMod val="75000"/>
+                  </a:schemeClr>
+                </a:solidFill>
+                <a:latin typeface="+mj-ea"/>
+                <a:ea typeface="+mj-ea"/>
+              </a:rPr>
               <a:t>Wheel Up</a:t>
             </a:r>
-            <a:endParaRPr kumimoji="1" lang="ja-JP" altLang="en-US" dirty="0"/>
+            <a:endParaRPr kumimoji="1" lang="ja-JP" altLang="en-US" sz="1400" dirty="0">
+              <a:solidFill>
+                <a:schemeClr val="accent5">
+                  <a:lumMod val="75000"/>
+                </a:schemeClr>
+              </a:solidFill>
+              <a:latin typeface="+mj-ea"/>
+              <a:ea typeface="+mj-ea"/>
+            </a:endParaRPr>
           </a:p>
         </p:txBody>
       </p:sp>
@@ -26683,7 +26722,9 @@
           </a:prstGeom>
           <a:ln w="28575">
             <a:solidFill>
-              <a:schemeClr val="accent5"/>
+              <a:schemeClr val="accent5">
+                <a:lumMod val="75000"/>
+              </a:schemeClr>
             </a:solidFill>
             <a:tailEnd type="triangle"/>
           </a:ln>
@@ -26721,7 +26762,9 @@
           </a:prstGeom>
           <a:ln w="28575">
             <a:solidFill>
-              <a:schemeClr val="accent5"/>
+              <a:schemeClr val="accent5">
+                <a:lumMod val="75000"/>
+              </a:schemeClr>
             </a:solidFill>
             <a:tailEnd type="triangle"/>
           </a:ln>
@@ -26757,7 +26800,9 @@
           </a:prstGeom>
           <a:ln w="28575">
             <a:solidFill>
-              <a:schemeClr val="accent5"/>
+              <a:schemeClr val="accent5">
+                <a:lumMod val="75000"/>
+              </a:schemeClr>
             </a:solidFill>
           </a:ln>
         </p:spPr>
@@ -26781,25 +26826,37 @@
           <a:p>
             <a:pPr algn="ctr"/>
             <a:r>
-              <a:rPr lang="en-US" altLang="ja-JP" dirty="0" smtClean="0"/>
+              <a:rPr lang="en-US" altLang="ja-JP" sz="1400" b="1" dirty="0" smtClean="0">
+                <a:solidFill>
+                  <a:schemeClr val="accent5">
+                    <a:lumMod val="75000"/>
+                  </a:schemeClr>
+                </a:solidFill>
+                <a:latin typeface="+mj-ea"/>
+                <a:ea typeface="+mj-ea"/>
+              </a:rPr>
               <a:t>Window Catalog </a:t>
             </a:r>
             <a:r>
-              <a:rPr lang="en-US" altLang="ja-JP" dirty="0" smtClean="0">
+              <a:rPr lang="en-US" altLang="ja-JP" sz="1400" b="1" dirty="0" smtClean="0">
                 <a:solidFill>
                   <a:schemeClr val="bg1">
                     <a:lumMod val="65000"/>
                   </a:schemeClr>
                 </a:solidFill>
+                <a:latin typeface="+mj-ea"/>
+                <a:ea typeface="+mj-ea"/>
               </a:rPr>
               <a:t>(Dexpot)</a:t>
             </a:r>
-            <a:endParaRPr kumimoji="1" lang="ja-JP" altLang="en-US" dirty="0">
+            <a:endParaRPr kumimoji="1" lang="ja-JP" altLang="en-US" sz="1400" b="1" dirty="0">
               <a:solidFill>
                 <a:schemeClr val="bg1">
                   <a:lumMod val="65000"/>
                 </a:schemeClr>
               </a:solidFill>
+              <a:latin typeface="+mj-ea"/>
+              <a:ea typeface="+mj-ea"/>
             </a:endParaRPr>
           </a:p>
         </p:txBody>
@@ -26820,7 +26877,9 @@
           </a:prstGeom>
           <a:ln w="28575">
             <a:solidFill>
-              <a:schemeClr val="accent5"/>
+              <a:schemeClr val="accent5">
+                <a:lumMod val="75000"/>
+              </a:schemeClr>
             </a:solidFill>
           </a:ln>
         </p:spPr>
@@ -26844,10 +26903,26 @@
           <a:p>
             <a:pPr algn="ctr"/>
             <a:r>
-              <a:rPr kumimoji="1" lang="en-US" altLang="ja-JP" dirty="0" smtClean="0"/>
+              <a:rPr kumimoji="1" lang="en-US" altLang="ja-JP" sz="1400" dirty="0" smtClean="0">
+                <a:solidFill>
+                  <a:schemeClr val="accent5">
+                    <a:lumMod val="75000"/>
+                  </a:schemeClr>
+                </a:solidFill>
+                <a:latin typeface="+mj-ea"/>
+                <a:ea typeface="+mj-ea"/>
+              </a:rPr>
               <a:t>Forward</a:t>
             </a:r>
-            <a:endParaRPr kumimoji="1" lang="ja-JP" altLang="en-US" dirty="0"/>
+            <a:endParaRPr kumimoji="1" lang="ja-JP" altLang="en-US" sz="1400" dirty="0">
+              <a:solidFill>
+                <a:schemeClr val="accent5">
+                  <a:lumMod val="75000"/>
+                </a:schemeClr>
+              </a:solidFill>
+              <a:latin typeface="+mj-ea"/>
+              <a:ea typeface="+mj-ea"/>
+            </a:endParaRPr>
           </a:p>
         </p:txBody>
       </p:sp>
@@ -26869,7 +26944,9 @@
           </a:prstGeom>
           <a:ln w="28575">
             <a:solidFill>
-              <a:schemeClr val="accent5"/>
+              <a:schemeClr val="accent5">
+                <a:lumMod val="75000"/>
+              </a:schemeClr>
             </a:solidFill>
             <a:tailEnd type="triangle"/>
           </a:ln>
@@ -26905,7 +26982,9 @@
           </a:prstGeom>
           <a:ln w="28575">
             <a:solidFill>
-              <a:schemeClr val="accent5"/>
+              <a:schemeClr val="accent5">
+                <a:lumMod val="75000"/>
+              </a:schemeClr>
             </a:solidFill>
           </a:ln>
         </p:spPr>
@@ -26929,10 +27008,26 @@
           <a:p>
             <a:pPr algn="ctr"/>
             <a:r>
-              <a:rPr lang="en-US" altLang="ja-JP" dirty="0" smtClean="0"/>
+              <a:rPr lang="en-US" altLang="ja-JP" sz="1400" dirty="0" smtClean="0">
+                <a:solidFill>
+                  <a:schemeClr val="accent5">
+                    <a:lumMod val="75000"/>
+                  </a:schemeClr>
+                </a:solidFill>
+                <a:latin typeface="+mj-ea"/>
+                <a:ea typeface="+mj-ea"/>
+              </a:rPr>
               <a:t>Back</a:t>
             </a:r>
-            <a:endParaRPr kumimoji="1" lang="ja-JP" altLang="en-US" dirty="0"/>
+            <a:endParaRPr kumimoji="1" lang="ja-JP" altLang="en-US" sz="1400" dirty="0">
+              <a:solidFill>
+                <a:schemeClr val="accent5">
+                  <a:lumMod val="75000"/>
+                </a:schemeClr>
+              </a:solidFill>
+              <a:latin typeface="+mj-ea"/>
+              <a:ea typeface="+mj-ea"/>
+            </a:endParaRPr>
           </a:p>
         </p:txBody>
       </p:sp>
@@ -26954,7 +27049,9 @@
           </a:prstGeom>
           <a:ln w="28575">
             <a:solidFill>
-              <a:schemeClr val="accent5"/>
+              <a:schemeClr val="accent5">
+                <a:lumMod val="75000"/>
+              </a:schemeClr>
             </a:solidFill>
             <a:tailEnd type="triangle"/>
           </a:ln>
@@ -26992,7 +27089,9 @@
           </a:prstGeom>
           <a:ln w="28575">
             <a:solidFill>
-              <a:schemeClr val="accent5"/>
+              <a:schemeClr val="accent5">
+                <a:lumMod val="75000"/>
+              </a:schemeClr>
             </a:solidFill>
             <a:tailEnd type="triangle"/>
           </a:ln>
@@ -27028,7 +27127,9 @@
           </a:prstGeom>
           <a:ln w="28575">
             <a:solidFill>
-              <a:schemeClr val="accent5"/>
+              <a:schemeClr val="accent5">
+                <a:lumMod val="75000"/>
+              </a:schemeClr>
             </a:solidFill>
           </a:ln>
         </p:spPr>
@@ -27052,10 +27153,26 @@
           <a:p>
             <a:pPr algn="ctr"/>
             <a:r>
-              <a:rPr kumimoji="1" lang="en-US" altLang="ja-JP" dirty="0" smtClean="0"/>
+              <a:rPr kumimoji="1" lang="en-US" altLang="ja-JP" sz="1400" dirty="0" smtClean="0">
+                <a:solidFill>
+                  <a:schemeClr val="accent5">
+                    <a:lumMod val="75000"/>
+                  </a:schemeClr>
+                </a:solidFill>
+                <a:latin typeface="+mj-ea"/>
+                <a:ea typeface="+mj-ea"/>
+              </a:rPr>
               <a:t>Right Click</a:t>
             </a:r>
-            <a:endParaRPr kumimoji="1" lang="ja-JP" altLang="en-US" dirty="0"/>
+            <a:endParaRPr kumimoji="1" lang="ja-JP" altLang="en-US" sz="1400" dirty="0">
+              <a:solidFill>
+                <a:schemeClr val="accent5">
+                  <a:lumMod val="75000"/>
+                </a:schemeClr>
+              </a:solidFill>
+              <a:latin typeface="+mj-ea"/>
+              <a:ea typeface="+mj-ea"/>
+            </a:endParaRPr>
           </a:p>
         </p:txBody>
       </p:sp>
@@ -27075,7 +27192,9 @@
           </a:prstGeom>
           <a:ln w="28575">
             <a:solidFill>
-              <a:schemeClr val="accent5"/>
+              <a:schemeClr val="accent5">
+                <a:lumMod val="75000"/>
+              </a:schemeClr>
             </a:solidFill>
             <a:tailEnd type="triangle"/>
           </a:ln>
@@ -27111,7 +27230,9 @@
           </a:prstGeom>
           <a:ln w="28575">
             <a:solidFill>
-              <a:schemeClr val="accent5"/>
+              <a:schemeClr val="accent5">
+                <a:lumMod val="75000"/>
+              </a:schemeClr>
             </a:solidFill>
           </a:ln>
         </p:spPr>
@@ -27135,10 +27256,26 @@
           <a:p>
             <a:pPr algn="ctr"/>
             <a:r>
-              <a:rPr kumimoji="1" lang="en-US" altLang="ja-JP" dirty="0" smtClean="0"/>
+              <a:rPr kumimoji="1" lang="en-US" altLang="ja-JP" sz="1400" dirty="0" smtClean="0">
+                <a:solidFill>
+                  <a:schemeClr val="accent5">
+                    <a:lumMod val="75000"/>
+                  </a:schemeClr>
+                </a:solidFill>
+                <a:latin typeface="+mj-ea"/>
+                <a:ea typeface="+mj-ea"/>
+              </a:rPr>
               <a:t>Left Click</a:t>
             </a:r>
-            <a:endParaRPr kumimoji="1" lang="ja-JP" altLang="en-US" dirty="0"/>
+            <a:endParaRPr kumimoji="1" lang="ja-JP" altLang="en-US" sz="1400" dirty="0">
+              <a:solidFill>
+                <a:schemeClr val="accent5">
+                  <a:lumMod val="75000"/>
+                </a:schemeClr>
+              </a:solidFill>
+              <a:latin typeface="+mj-ea"/>
+              <a:ea typeface="+mj-ea"/>
+            </a:endParaRPr>
           </a:p>
         </p:txBody>
       </p:sp>
@@ -27195,31 +27332,13 @@
           <a:lstStyle/>
           <a:p>
             <a:r>
-              <a:rPr kumimoji="1" lang="en-US" altLang="ja-JP" dirty="0" smtClean="0">
-                <a:latin typeface="+mn-lt"/>
+              <a:rPr kumimoji="1" lang="en-US" altLang="ja-JP" sz="3600" dirty="0" smtClean="0">
+                <a:latin typeface="+mj-ea"/>
               </a:rPr>
-              <a:t>Mouse</a:t>
-            </a:r>
-            <a:r>
-              <a:rPr lang="ja-JP" altLang="en-US" dirty="0">
-                <a:latin typeface="+mn-lt"/>
-              </a:rPr>
-              <a:t> </a:t>
-            </a:r>
-            <a:r>
-              <a:rPr lang="en-US" altLang="ja-JP" dirty="0" smtClean="0">
-                <a:latin typeface="+mn-lt"/>
-              </a:rPr>
-              <a:t>: </a:t>
-            </a:r>
-            <a:r>
-              <a:rPr kumimoji="1" lang="en-US" altLang="ja-JP" dirty="0" smtClean="0">
-                <a:latin typeface="+mn-lt"/>
-              </a:rPr>
-              <a:t>Steelseries Kana </a:t>
-            </a:r>
-            <a:endParaRPr kumimoji="1" lang="ja-JP" altLang="en-US" dirty="0">
-              <a:latin typeface="+mn-lt"/>
+              <a:t>Mouse : Steelseries Kana </a:t>
+            </a:r>
+            <a:endParaRPr kumimoji="1" lang="ja-JP" altLang="en-US" sz="3600" dirty="0">
+              <a:latin typeface="+mj-ea"/>
             </a:endParaRPr>
           </a:p>
         </p:txBody>
@@ -27234,30 +27353,33 @@
             <p:ph idx="1"/>
           </p:nvPr>
         </p:nvSpPr>
-        <p:spPr/>
-        <p:txBody>
-          <a:bodyPr/>
+        <p:spPr>
+          <a:xfrm>
+            <a:off x="628650" y="1825625"/>
+            <a:ext cx="3504454" cy="392942"/>
+          </a:xfrm>
+        </p:spPr>
+        <p:txBody>
+          <a:bodyPr>
+            <a:noAutofit/>
+          </a:bodyPr>
           <a:lstStyle/>
           <a:p>
             <a:pPr marL="0" indent="0">
               <a:buNone/>
             </a:pPr>
             <a:r>
-              <a:rPr kumimoji="1" lang="en-US" altLang="ja-JP" dirty="0" smtClean="0">
-                <a:solidFill>
-                  <a:schemeClr val="accent2">
-                    <a:lumMod val="75000"/>
-                  </a:schemeClr>
-                </a:solidFill>
+              <a:rPr kumimoji="1" lang="en-US" altLang="ja-JP" sz="2000" dirty="0" smtClean="0">
+                <a:latin typeface="+mj-ea"/>
+                <a:ea typeface="+mj-ea"/>
+                <a:cs typeface="Courier New" panose="02070309020205020404" pitchFamily="49" charset="0"/>
               </a:rPr>
-              <a:t>MOD Right Button</a:t>
-            </a:r>
-            <a:endParaRPr kumimoji="1" lang="ja-JP" altLang="en-US" dirty="0">
-              <a:solidFill>
-                <a:schemeClr val="accent2">
-                  <a:lumMod val="75000"/>
-                </a:schemeClr>
-              </a:solidFill>
+              <a:t>MOD Right Side Button</a:t>
+            </a:r>
+            <a:endParaRPr kumimoji="1" lang="ja-JP" altLang="en-US" sz="2000" dirty="0">
+              <a:latin typeface="+mj-ea"/>
+              <a:ea typeface="+mj-ea"/>
+              <a:cs typeface="Courier New" panose="02070309020205020404" pitchFamily="49" charset="0"/>
             </a:endParaRPr>
           </a:p>
         </p:txBody>
@@ -27336,7 +27458,10 @@
           <a:lstStyle/>
           <a:p>
             <a:pPr algn="ctr"/>
-            <a:endParaRPr kumimoji="1" lang="ja-JP" altLang="en-US"/>
+            <a:endParaRPr kumimoji="1" lang="ja-JP" altLang="en-US" sz="1400">
+              <a:latin typeface="+mj-ea"/>
+              <a:ea typeface="+mj-ea"/>
+            </a:endParaRPr>
           </a:p>
         </p:txBody>
       </p:sp>
@@ -27379,7 +27504,10 @@
           <a:lstStyle/>
           <a:p>
             <a:pPr algn="ctr"/>
-            <a:endParaRPr kumimoji="1" lang="ja-JP" altLang="en-US"/>
+            <a:endParaRPr kumimoji="1" lang="ja-JP" altLang="en-US" sz="1400">
+              <a:latin typeface="+mj-ea"/>
+              <a:ea typeface="+mj-ea"/>
+            </a:endParaRPr>
           </a:p>
         </p:txBody>
       </p:sp>
@@ -27401,7 +27529,9 @@
           </a:prstGeom>
           <a:ln w="28575">
             <a:solidFill>
-              <a:schemeClr val="accent5"/>
+              <a:schemeClr val="accent5">
+                <a:lumMod val="75000"/>
+              </a:schemeClr>
             </a:solidFill>
             <a:tailEnd type="triangle"/>
           </a:ln>
@@ -27437,7 +27567,9 @@
           </a:prstGeom>
           <a:ln w="28575">
             <a:solidFill>
-              <a:schemeClr val="accent5"/>
+              <a:schemeClr val="accent5">
+                <a:lumMod val="75000"/>
+              </a:schemeClr>
             </a:solidFill>
           </a:ln>
         </p:spPr>
@@ -27461,25 +27593,25 @@
           <a:p>
             <a:pPr algn="ctr"/>
             <a:r>
-              <a:rPr kumimoji="1" lang="en-US" altLang="ja-JP" dirty="0" smtClean="0"/>
-              <a:t>Next Tab </a:t>
-            </a:r>
-            <a:r>
-              <a:rPr kumimoji="1" lang="en-US" altLang="ja-JP" dirty="0" smtClean="0">
+              <a:rPr kumimoji="1" lang="en-US" altLang="ja-JP" sz="1400" dirty="0" smtClean="0">
                 <a:solidFill>
-                  <a:schemeClr val="bg1">
-                    <a:lumMod val="65000"/>
+                  <a:schemeClr val="accent5">
+                    <a:lumMod val="75000"/>
                   </a:schemeClr>
                 </a:solidFill>
+                <a:latin typeface="+mj-ea"/>
+                <a:ea typeface="+mj-ea"/>
               </a:rPr>
-              <a:t>(^tab)</a:t>
-            </a:r>
-            <a:endParaRPr kumimoji="1" lang="ja-JP" altLang="en-US" dirty="0">
+              <a:t>Wheel Right</a:t>
+            </a:r>
+            <a:endParaRPr kumimoji="1" lang="ja-JP" altLang="en-US" sz="1400" dirty="0">
               <a:solidFill>
-                <a:schemeClr val="bg1">
-                  <a:lumMod val="65000"/>
+                <a:schemeClr val="accent5">
+                  <a:lumMod val="75000"/>
                 </a:schemeClr>
               </a:solidFill>
+              <a:latin typeface="+mj-ea"/>
+              <a:ea typeface="+mj-ea"/>
             </a:endParaRPr>
           </a:p>
         </p:txBody>
@@ -27500,7 +27632,9 @@
           </a:prstGeom>
           <a:ln w="28575">
             <a:solidFill>
-              <a:schemeClr val="accent5"/>
+              <a:schemeClr val="accent5">
+                <a:lumMod val="75000"/>
+              </a:schemeClr>
             </a:solidFill>
           </a:ln>
         </p:spPr>
@@ -27524,25 +27658,25 @@
           <a:p>
             <a:pPr algn="ctr"/>
             <a:r>
-              <a:rPr kumimoji="1" lang="en-US" altLang="ja-JP" dirty="0" smtClean="0"/>
-              <a:t>Previous Tab </a:t>
-            </a:r>
-            <a:r>
-              <a:rPr kumimoji="1" lang="en-US" altLang="ja-JP" dirty="0" smtClean="0">
+              <a:rPr kumimoji="1" lang="en-US" altLang="ja-JP" sz="1400" dirty="0" smtClean="0">
                 <a:solidFill>
-                  <a:schemeClr val="bg1">
-                    <a:lumMod val="65000"/>
+                  <a:schemeClr val="accent5">
+                    <a:lumMod val="75000"/>
                   </a:schemeClr>
                 </a:solidFill>
+                <a:latin typeface="+mj-ea"/>
+                <a:ea typeface="+mj-ea"/>
               </a:rPr>
-              <a:t>(^+tab)</a:t>
-            </a:r>
-            <a:endParaRPr kumimoji="1" lang="ja-JP" altLang="en-US" dirty="0">
+              <a:t>Wheel Left</a:t>
+            </a:r>
+            <a:endParaRPr kumimoji="1" lang="ja-JP" altLang="en-US" sz="1400" dirty="0">
               <a:solidFill>
-                <a:schemeClr val="bg1">
-                  <a:lumMod val="65000"/>
+                <a:schemeClr val="accent5">
+                  <a:lumMod val="75000"/>
                 </a:schemeClr>
               </a:solidFill>
+              <a:latin typeface="+mj-ea"/>
+              <a:ea typeface="+mj-ea"/>
             </a:endParaRPr>
           </a:p>
         </p:txBody>
@@ -27565,7 +27699,9 @@
           </a:prstGeom>
           <a:ln w="28575">
             <a:solidFill>
-              <a:schemeClr val="accent5"/>
+              <a:schemeClr val="accent5">
+                <a:lumMod val="75000"/>
+              </a:schemeClr>
             </a:solidFill>
             <a:tailEnd type="triangle"/>
           </a:ln>
@@ -27595,15 +27731,17 @@
         </p:nvCxnSpPr>
         <p:spPr>
           <a:xfrm flipH="1">
-            <a:off x="4589659" y="1766451"/>
-            <a:ext cx="929490" cy="1613747"/>
+            <a:off x="4557622" y="1766451"/>
+            <a:ext cx="961527" cy="1672921"/>
           </a:xfrm>
           <a:prstGeom prst="straightConnector1">
             <a:avLst/>
           </a:prstGeom>
           <a:ln w="28575">
             <a:solidFill>
-              <a:schemeClr val="accent5"/>
+              <a:schemeClr val="accent5">
+                <a:lumMod val="75000"/>
+              </a:schemeClr>
             </a:solidFill>
             <a:tailEnd type="triangle"/>
           </a:ln>
@@ -27639,7 +27777,9 @@
           </a:prstGeom>
           <a:ln w="28575">
             <a:solidFill>
-              <a:schemeClr val="accent5"/>
+              <a:schemeClr val="accent5">
+                <a:lumMod val="75000"/>
+              </a:schemeClr>
             </a:solidFill>
           </a:ln>
         </p:spPr>
@@ -27663,29 +27803,25 @@
           <a:p>
             <a:pPr algn="ctr"/>
             <a:r>
-              <a:rPr kumimoji="1" lang="en-US" altLang="ja-JP" dirty="0" smtClean="0">
+              <a:rPr kumimoji="1" lang="en-US" altLang="ja-JP" sz="1400" smtClean="0">
                 <a:solidFill>
-                  <a:schemeClr val="tx1"/>
-                </a:solidFill>
-              </a:rPr>
-              <a:t>Duplicate Tab </a:t>
-            </a:r>
-            <a:r>
-              <a:rPr kumimoji="1" lang="en-US" altLang="ja-JP" dirty="0" smtClean="0">
-                <a:solidFill>
-                  <a:schemeClr val="bg1">
-                    <a:lumMod val="65000"/>
+                  <a:schemeClr val="accent5">
+                    <a:lumMod val="75000"/>
                   </a:schemeClr>
                 </a:solidFill>
+                <a:latin typeface="+mj-ea"/>
+                <a:ea typeface="+mj-ea"/>
               </a:rPr>
-              <a:t>(!d, !ret)</a:t>
-            </a:r>
-            <a:endParaRPr kumimoji="1" lang="ja-JP" altLang="en-US" dirty="0">
+              <a:t>Reload AHK</a:t>
+            </a:r>
+            <a:endParaRPr kumimoji="1" lang="ja-JP" altLang="en-US" sz="1400" dirty="0">
               <a:solidFill>
-                <a:schemeClr val="bg1">
-                  <a:lumMod val="65000"/>
+                <a:schemeClr val="accent5">
+                  <a:lumMod val="75000"/>
                 </a:schemeClr>
               </a:solidFill>
+              <a:latin typeface="+mj-ea"/>
+              <a:ea typeface="+mj-ea"/>
             </a:endParaRPr>
           </a:p>
         </p:txBody>
@@ -27704,9 +27840,18 @@
           <a:prstGeom prst="rect">
             <a:avLst/>
           </a:prstGeom>
+          <a:solidFill>
+            <a:schemeClr val="tx1">
+              <a:lumMod val="50000"/>
+              <a:lumOff val="50000"/>
+            </a:schemeClr>
+          </a:solidFill>
           <a:ln w="28575">
             <a:solidFill>
-              <a:schemeClr val="accent5"/>
+              <a:schemeClr val="tx1">
+                <a:lumMod val="50000"/>
+                <a:lumOff val="50000"/>
+              </a:schemeClr>
             </a:solidFill>
           </a:ln>
         </p:spPr>
@@ -27730,25 +27875,15 @@
           <a:p>
             <a:pPr algn="ctr"/>
             <a:r>
-              <a:rPr kumimoji="1" lang="en-US" altLang="ja-JP" dirty="0" smtClean="0"/>
-              <a:t>Reopen Tab </a:t>
-            </a:r>
-            <a:r>
-              <a:rPr kumimoji="1" lang="en-US" altLang="ja-JP" dirty="0" smtClean="0">
-                <a:solidFill>
-                  <a:schemeClr val="bg1">
-                    <a:lumMod val="65000"/>
-                  </a:schemeClr>
-                </a:solidFill>
+              <a:rPr kumimoji="1" lang="en-US" altLang="ja-JP" sz="1400" smtClean="0">
+                <a:latin typeface="+mj-ea"/>
+                <a:ea typeface="+mj-ea"/>
               </a:rPr>
-              <a:t>(^+t)</a:t>
-            </a:r>
-            <a:endParaRPr kumimoji="1" lang="ja-JP" altLang="en-US" dirty="0">
-              <a:solidFill>
-                <a:schemeClr val="bg1">
-                  <a:lumMod val="65000"/>
-                </a:schemeClr>
-              </a:solidFill>
+              <a:t>BASE</a:t>
+            </a:r>
+            <a:endParaRPr kumimoji="1" lang="ja-JP" altLang="en-US" sz="1400">
+              <a:latin typeface="+mj-ea"/>
+              <a:ea typeface="+mj-ea"/>
             </a:endParaRPr>
           </a:p>
         </p:txBody>
@@ -27771,7 +27906,10 @@
           </a:prstGeom>
           <a:ln w="28575">
             <a:solidFill>
-              <a:schemeClr val="accent5"/>
+              <a:schemeClr val="tx1">
+                <a:lumMod val="50000"/>
+                <a:lumOff val="50000"/>
+              </a:schemeClr>
             </a:solidFill>
             <a:tailEnd type="triangle"/>
           </a:ln>
@@ -27807,7 +27945,9 @@
           </a:prstGeom>
           <a:ln w="28575">
             <a:solidFill>
-              <a:schemeClr val="accent5"/>
+              <a:schemeClr val="accent5">
+                <a:lumMod val="75000"/>
+              </a:schemeClr>
             </a:solidFill>
           </a:ln>
         </p:spPr>
@@ -27831,25 +27971,37 @@
           <a:p>
             <a:pPr algn="ctr"/>
             <a:r>
-              <a:rPr kumimoji="1" lang="en-US" altLang="ja-JP" dirty="0" smtClean="0"/>
-              <a:t>Close Tab </a:t>
-            </a:r>
-            <a:r>
-              <a:rPr kumimoji="1" lang="en-US" altLang="ja-JP" dirty="0" smtClean="0">
+              <a:rPr kumimoji="1" lang="en-US" altLang="ja-JP" sz="1400" dirty="0" smtClean="0">
+                <a:solidFill>
+                  <a:schemeClr val="accent5">
+                    <a:lumMod val="75000"/>
+                  </a:schemeClr>
+                </a:solidFill>
+                <a:latin typeface="+mj-ea"/>
+                <a:ea typeface="+mj-ea"/>
+              </a:rPr>
+              <a:t>Screen Preview </a:t>
+            </a:r>
+            <a:r>
+              <a:rPr kumimoji="1" lang="en-US" altLang="ja-JP" sz="1400" dirty="0" smtClean="0">
                 <a:solidFill>
                   <a:schemeClr val="bg1">
                     <a:lumMod val="65000"/>
                   </a:schemeClr>
                 </a:solidFill>
+                <a:latin typeface="+mj-ea"/>
+                <a:ea typeface="+mj-ea"/>
               </a:rPr>
-              <a:t>(^w)</a:t>
-            </a:r>
-            <a:endParaRPr kumimoji="1" lang="ja-JP" altLang="en-US" dirty="0">
+              <a:t>(Dexpot)</a:t>
+            </a:r>
+            <a:endParaRPr kumimoji="1" lang="ja-JP" altLang="en-US" sz="1400" dirty="0">
               <a:solidFill>
                 <a:schemeClr val="bg1">
                   <a:lumMod val="65000"/>
                 </a:schemeClr>
               </a:solidFill>
+              <a:latin typeface="+mj-ea"/>
+              <a:ea typeface="+mj-ea"/>
             </a:endParaRPr>
           </a:p>
         </p:txBody>
@@ -27872,7 +28024,9 @@
           </a:prstGeom>
           <a:ln w="28575">
             <a:solidFill>
-              <a:schemeClr val="accent5"/>
+              <a:schemeClr val="accent5">
+                <a:lumMod val="75000"/>
+              </a:schemeClr>
             </a:solidFill>
             <a:tailEnd type="triangle"/>
           </a:ln>
@@ -27910,7 +28064,7 @@
           </a:prstGeom>
           <a:ln w="28575">
             <a:solidFill>
-              <a:schemeClr val="accent2"/>
+              <a:srgbClr val="C00000"/>
             </a:solidFill>
             <a:tailEnd type="triangle"/>
           </a:ln>
@@ -27944,24 +28098,24 @@
           <a:prstGeom prst="rect">
             <a:avLst/>
           </a:prstGeom>
-          <a:ln>
+          <a:ln w="28575">
             <a:solidFill>
-              <a:schemeClr val="accent2"/>
+              <a:srgbClr val="C00000"/>
             </a:solidFill>
           </a:ln>
         </p:spPr>
         <p:style>
-          <a:lnRef idx="3">
-            <a:schemeClr val="lt1"/>
-          </a:lnRef>
-          <a:fillRef idx="1">
-            <a:schemeClr val="accent2"/>
-          </a:fillRef>
-          <a:effectRef idx="1">
-            <a:schemeClr val="accent2"/>
-          </a:effectRef>
-          <a:fontRef idx="minor">
-            <a:schemeClr val="lt1"/>
+          <a:lnRef idx="2">
+            <a:schemeClr val="accent1"/>
+          </a:lnRef>
+          <a:fillRef idx="1">
+            <a:schemeClr val="lt1"/>
+          </a:fillRef>
+          <a:effectRef idx="0">
+            <a:schemeClr val="accent1"/>
+          </a:effectRef>
+          <a:fontRef idx="minor">
+            <a:schemeClr val="dk1"/>
           </a:fontRef>
         </p:style>
         <p:txBody>
@@ -27969,7 +28123,23 @@
           <a:lstStyle/>
           <a:p>
             <a:pPr algn="ctr"/>
-            <a:endParaRPr kumimoji="1" lang="ja-JP" altLang="en-US"/>
+            <a:r>
+              <a:rPr kumimoji="1" lang="en-US" altLang="ja-JP" sz="1400" smtClean="0">
+                <a:solidFill>
+                  <a:srgbClr val="C00000"/>
+                </a:solidFill>
+                <a:latin typeface="+mj-ea"/>
+                <a:ea typeface="+mj-ea"/>
+              </a:rPr>
+              <a:t>???</a:t>
+            </a:r>
+            <a:endParaRPr kumimoji="1" lang="ja-JP" altLang="en-US" sz="1400">
+              <a:solidFill>
+                <a:srgbClr val="C00000"/>
+              </a:solidFill>
+              <a:latin typeface="+mj-ea"/>
+              <a:ea typeface="+mj-ea"/>
+            </a:endParaRPr>
           </a:p>
         </p:txBody>
       </p:sp>
@@ -27989,7 +28159,9 @@
           </a:prstGeom>
           <a:ln w="28575">
             <a:solidFill>
-              <a:schemeClr val="accent5"/>
+              <a:schemeClr val="accent5">
+                <a:lumMod val="75000"/>
+              </a:schemeClr>
             </a:solidFill>
             <a:tailEnd type="triangle"/>
           </a:ln>
@@ -28025,7 +28197,9 @@
           </a:prstGeom>
           <a:ln w="28575">
             <a:solidFill>
-              <a:schemeClr val="accent5"/>
+              <a:schemeClr val="accent5">
+                <a:lumMod val="75000"/>
+              </a:schemeClr>
             </a:solidFill>
           </a:ln>
         </p:spPr>
@@ -28049,71 +28223,37 @@
           <a:p>
             <a:pPr algn="ctr"/>
             <a:r>
-              <a:rPr kumimoji="1" lang="en-US" altLang="ja-JP" dirty="0" smtClean="0">
+              <a:rPr kumimoji="1" lang="en-US" altLang="ja-JP" sz="1400" smtClean="0">
                 <a:solidFill>
-                  <a:schemeClr val="tx1"/>
-                </a:solidFill>
-              </a:rPr>
-              <a:t>Pin Tab </a:t>
-            </a:r>
-            <a:r>
-              <a:rPr kumimoji="1" lang="en-US" altLang="ja-JP" dirty="0" smtClean="0">
-                <a:solidFill>
-                  <a:schemeClr val="bg1">
-                    <a:lumMod val="65000"/>
+                  <a:schemeClr val="accent5">
+                    <a:lumMod val="75000"/>
                   </a:schemeClr>
                 </a:solidFill>
+                <a:latin typeface="+mj-ea"/>
+                <a:ea typeface="+mj-ea"/>
               </a:rPr>
-              <a:t>(!p)</a:t>
-            </a:r>
-            <a:endParaRPr kumimoji="1" lang="ja-JP" altLang="en-US" dirty="0">
+              <a:t>Middle </a:t>
+            </a:r>
+            <a:r>
+              <a:rPr kumimoji="1" lang="en-US" altLang="ja-JP" sz="1400" smtClean="0">
+                <a:solidFill>
+                  <a:schemeClr val="accent5">
+                    <a:lumMod val="75000"/>
+                  </a:schemeClr>
+                </a:solidFill>
+                <a:latin typeface="+mj-ea"/>
+                <a:ea typeface="+mj-ea"/>
+              </a:rPr>
+              <a:t>Button</a:t>
+            </a:r>
+            <a:endParaRPr kumimoji="1" lang="ja-JP" altLang="en-US" sz="1400" dirty="0">
               <a:solidFill>
-                <a:schemeClr val="bg1">
-                  <a:lumMod val="65000"/>
+                <a:schemeClr val="accent5">
+                  <a:lumMod val="75000"/>
                 </a:schemeClr>
               </a:solidFill>
-            </a:endParaRPr>
-          </a:p>
-        </p:txBody>
-      </p:sp>
-      <p:sp>
-        <p:nvSpPr>
-          <p:cNvPr id="4" name="テキスト ボックス 3"/>
-          <p:cNvSpPr txBox="1"/>
-          <p:nvPr/>
-        </p:nvSpPr>
-        <p:spPr>
-          <a:xfrm>
-            <a:off x="622870" y="6349429"/>
-            <a:ext cx="3776418" cy="369332"/>
-          </a:xfrm>
-          <a:prstGeom prst="rect">
-            <a:avLst/>
-          </a:prstGeom>
-          <a:noFill/>
-        </p:spPr>
-        <p:txBody>
-          <a:bodyPr wrap="none" rtlCol="0">
-            <a:spAutoFit/>
-          </a:bodyPr>
-          <a:lstStyle/>
-          <a:p>
-            <a:r>
-              <a:rPr lang="en-US" altLang="ja-JP" dirty="0" smtClean="0">
-                <a:solidFill>
-                  <a:schemeClr val="bg1">
-                    <a:lumMod val="65000"/>
-                  </a:schemeClr>
-                </a:solidFill>
-              </a:rPr>
-              <a:t>※ !p need pin tab (chrome extension)</a:t>
-            </a:r>
-            <a:endParaRPr kumimoji="1" lang="ja-JP" altLang="en-US" dirty="0">
-              <a:solidFill>
-                <a:schemeClr val="bg1">
-                  <a:lumMod val="65000"/>
-                </a:schemeClr>
-              </a:solidFill>
+              <a:latin typeface="+mj-ea"/>
+              <a:ea typeface="+mj-ea"/>
             </a:endParaRPr>
           </a:p>
         </p:txBody>
@@ -28121,7 +28261,7 @@
     </p:spTree>
     <p:extLst>
       <p:ext uri="{BB962C8B-B14F-4D97-AF65-F5344CB8AC3E}">
-        <p14:creationId xmlns:p14="http://schemas.microsoft.com/office/powerpoint/2010/main" val="1065466913"/>
+        <p14:creationId xmlns:p14="http://schemas.microsoft.com/office/powerpoint/2010/main" val="537427911"/>
       </p:ext>
     </p:extLst>
   </p:cSld>
@@ -28171,13 +28311,19 @@
           <a:lstStyle/>
           <a:p>
             <a:r>
-              <a:rPr kumimoji="1" lang="en-US" altLang="ja-JP" dirty="0" smtClean="0">
-                <a:latin typeface="+mn-lt"/>
+              <a:rPr lang="en-US" altLang="ja-JP" sz="3600" dirty="0">
+                <a:latin typeface="+mj-ea"/>
               </a:rPr>
-              <a:t>Mouse : Steelseries Kana </a:t>
-            </a:r>
-            <a:endParaRPr kumimoji="1" lang="ja-JP" altLang="en-US" dirty="0">
-              <a:latin typeface="+mn-lt"/>
+              <a:t>Mouse : Steelseries </a:t>
+            </a:r>
+            <a:r>
+              <a:rPr kumimoji="1" lang="en-US" altLang="ja-JP" sz="3600" dirty="0" smtClean="0">
+                <a:latin typeface="+mj-ea"/>
+              </a:rPr>
+              <a:t>Kana </a:t>
+            </a:r>
+            <a:endParaRPr kumimoji="1" lang="ja-JP" altLang="en-US" sz="3600" dirty="0">
+              <a:latin typeface="+mj-ea"/>
             </a:endParaRPr>
           </a:p>
         </p:txBody>
@@ -28192,30 +28338,49 @@
             <p:ph idx="1"/>
           </p:nvPr>
         </p:nvSpPr>
-        <p:spPr/>
-        <p:txBody>
-          <a:bodyPr/>
+        <p:spPr>
+          <a:xfrm>
+            <a:off x="628649" y="1825625"/>
+            <a:ext cx="3765799" cy="392942"/>
+          </a:xfrm>
+        </p:spPr>
+        <p:txBody>
+          <a:bodyPr>
+            <a:noAutofit/>
+          </a:bodyPr>
           <a:lstStyle/>
           <a:p>
             <a:pPr marL="0" indent="0">
               <a:buNone/>
             </a:pPr>
             <a:r>
-              <a:rPr kumimoji="1" lang="en-US" altLang="ja-JP" dirty="0" smtClean="0">
-                <a:solidFill>
-                  <a:schemeClr val="accent2">
-                    <a:lumMod val="75000"/>
-                  </a:schemeClr>
-                </a:solidFill>
+              <a:rPr kumimoji="1" lang="en-US" altLang="ja-JP" sz="2000" smtClean="0">
+                <a:latin typeface="+mj-ea"/>
+                <a:ea typeface="+mj-ea"/>
+                <a:cs typeface="Courier New" panose="02070309020205020404" pitchFamily="49" charset="0"/>
               </a:rPr>
-              <a:t>MOD Right Side Button</a:t>
-            </a:r>
-            <a:endParaRPr kumimoji="1" lang="ja-JP" altLang="en-US" dirty="0">
-              <a:solidFill>
-                <a:schemeClr val="accent2">
-                  <a:lumMod val="75000"/>
-                </a:schemeClr>
-              </a:solidFill>
+              <a:t>MOD </a:t>
+            </a:r>
+            <a:r>
+              <a:rPr kumimoji="1" lang="en-US" altLang="ja-JP" sz="2000" smtClean="0">
+                <a:latin typeface="+mj-ea"/>
+                <a:ea typeface="+mj-ea"/>
+                <a:cs typeface="Courier New" panose="02070309020205020404" pitchFamily="49" charset="0"/>
+              </a:rPr>
+              <a:t>Left  </a:t>
+            </a:r>
+            <a:r>
+              <a:rPr kumimoji="1" lang="en-US" altLang="ja-JP" sz="2000" dirty="0" smtClean="0">
+                <a:latin typeface="+mj-ea"/>
+                <a:ea typeface="+mj-ea"/>
+                <a:cs typeface="Courier New" panose="02070309020205020404" pitchFamily="49" charset="0"/>
+              </a:rPr>
+              <a:t>Side Button</a:t>
+            </a:r>
+            <a:endParaRPr kumimoji="1" lang="ja-JP" altLang="en-US" sz="2000" dirty="0">
+              <a:latin typeface="+mj-ea"/>
+              <a:ea typeface="+mj-ea"/>
+              <a:cs typeface="Courier New" panose="02070309020205020404" pitchFamily="49" charset="0"/>
             </a:endParaRPr>
           </a:p>
         </p:txBody>
@@ -28294,7 +28459,10 @@
           <a:lstStyle/>
           <a:p>
             <a:pPr algn="ctr"/>
-            <a:endParaRPr kumimoji="1" lang="ja-JP" altLang="en-US"/>
+            <a:endParaRPr kumimoji="1" lang="ja-JP" altLang="en-US" sz="1400">
+              <a:latin typeface="+mj-ea"/>
+              <a:ea typeface="+mj-ea"/>
+            </a:endParaRPr>
           </a:p>
         </p:txBody>
       </p:sp>
@@ -28337,7 +28505,10 @@
           <a:lstStyle/>
           <a:p>
             <a:pPr algn="ctr"/>
-            <a:endParaRPr kumimoji="1" lang="ja-JP" altLang="en-US"/>
+            <a:endParaRPr kumimoji="1" lang="ja-JP" altLang="en-US" sz="1400">
+              <a:latin typeface="+mj-ea"/>
+              <a:ea typeface="+mj-ea"/>
+            </a:endParaRPr>
           </a:p>
         </p:txBody>
       </p:sp>
@@ -28359,7 +28530,9 @@
           </a:prstGeom>
           <a:ln w="28575">
             <a:solidFill>
-              <a:schemeClr val="accent5"/>
+              <a:schemeClr val="accent5">
+                <a:lumMod val="75000"/>
+              </a:schemeClr>
             </a:solidFill>
             <a:tailEnd type="triangle"/>
           </a:ln>
@@ -28395,7 +28568,9 @@
           </a:prstGeom>
           <a:ln w="28575">
             <a:solidFill>
-              <a:schemeClr val="accent5"/>
+              <a:schemeClr val="accent5">
+                <a:lumMod val="75000"/>
+              </a:schemeClr>
             </a:solidFill>
           </a:ln>
         </p:spPr>
@@ -28419,10 +28594,41 @@
           <a:p>
             <a:pPr algn="ctr"/>
             <a:r>
-              <a:rPr kumimoji="1" lang="en-US" altLang="ja-JP" dirty="0" smtClean="0"/>
-              <a:t>Wheel Right</a:t>
-            </a:r>
-            <a:endParaRPr kumimoji="1" lang="ja-JP" altLang="en-US" dirty="0"/>
+              <a:rPr lang="en-US" altLang="ja-JP" sz="1400" dirty="0">
+                <a:solidFill>
+                  <a:schemeClr val="accent5">
+                    <a:lumMod val="75000"/>
+                  </a:schemeClr>
+                </a:solidFill>
+                <a:latin typeface="+mj-ea"/>
+                <a:ea typeface="+mj-ea"/>
+              </a:rPr>
+              <a:t>Next Window </a:t>
+            </a:r>
+            <a:r>
+              <a:rPr lang="en-US" altLang="ja-JP" sz="1400" dirty="0">
+                <a:solidFill>
+                  <a:schemeClr val="bg1">
+                    <a:lumMod val="65000"/>
+                  </a:schemeClr>
+                </a:solidFill>
+                <a:latin typeface="+mj-ea"/>
+                <a:ea typeface="+mj-ea"/>
+              </a:rPr>
+              <a:t>(!tab</a:t>
+            </a:r>
+            <a:r>
+              <a:rPr lang="en-US" altLang="ja-JP" sz="1400" dirty="0" smtClean="0">
+                <a:solidFill>
+                  <a:schemeClr val="bg1">
+                    <a:lumMod val="65000"/>
+                  </a:schemeClr>
+                </a:solidFill>
+                <a:latin typeface="+mj-ea"/>
+                <a:ea typeface="+mj-ea"/>
+              </a:rPr>
+              <a:t>)</a:t>
+            </a:r>
           </a:p>
         </p:txBody>
       </p:sp>
@@ -28442,7 +28648,9 @@
           </a:prstGeom>
           <a:ln w="28575">
             <a:solidFill>
-              <a:schemeClr val="accent5"/>
+              <a:schemeClr val="accent5">
+                <a:lumMod val="75000"/>
+              </a:schemeClr>
             </a:solidFill>
           </a:ln>
         </p:spPr>
@@ -28466,10 +28674,38 @@
           <a:p>
             <a:pPr algn="ctr"/>
             <a:r>
-              <a:rPr kumimoji="1" lang="en-US" altLang="ja-JP" dirty="0" smtClean="0"/>
-              <a:t>Wheel Left</a:t>
-            </a:r>
-            <a:endParaRPr kumimoji="1" lang="ja-JP" altLang="en-US" dirty="0"/>
+              <a:rPr lang="en-US" altLang="ja-JP" sz="1400" dirty="0" smtClean="0">
+                <a:solidFill>
+                  <a:schemeClr val="accent5">
+                    <a:lumMod val="75000"/>
+                  </a:schemeClr>
+                </a:solidFill>
+                <a:latin typeface="+mj-ea"/>
+                <a:ea typeface="+mj-ea"/>
+              </a:rPr>
+              <a:t>Previous Window </a:t>
+            </a:r>
+            <a:r>
+              <a:rPr lang="en-US" altLang="ja-JP" sz="1400" dirty="0" smtClean="0">
+                <a:solidFill>
+                  <a:schemeClr val="bg1">
+                    <a:lumMod val="65000"/>
+                  </a:schemeClr>
+                </a:solidFill>
+                <a:latin typeface="+mj-ea"/>
+                <a:ea typeface="+mj-ea"/>
+              </a:rPr>
+              <a:t>(!+tab)</a:t>
+            </a:r>
+            <a:endParaRPr kumimoji="1" lang="ja-JP" altLang="en-US" sz="1400" dirty="0">
+              <a:solidFill>
+                <a:schemeClr val="bg1">
+                  <a:lumMod val="65000"/>
+                </a:schemeClr>
+              </a:solidFill>
+              <a:latin typeface="+mj-ea"/>
+              <a:ea typeface="+mj-ea"/>
+            </a:endParaRPr>
           </a:p>
         </p:txBody>
       </p:sp>
@@ -28491,7 +28727,9 @@
           </a:prstGeom>
           <a:ln w="28575">
             <a:solidFill>
-              <a:schemeClr val="accent5"/>
+              <a:schemeClr val="accent5">
+                <a:lumMod val="75000"/>
+              </a:schemeClr>
             </a:solidFill>
             <a:tailEnd type="triangle"/>
           </a:ln>
@@ -28529,7 +28767,9 @@
           </a:prstGeom>
           <a:ln w="28575">
             <a:solidFill>
-              <a:schemeClr val="accent5"/>
+              <a:schemeClr val="accent5">
+                <a:lumMod val="75000"/>
+              </a:schemeClr>
             </a:solidFill>
             <a:tailEnd type="triangle"/>
           </a:ln>
@@ -28565,7 +28805,9 @@
           </a:prstGeom>
           <a:ln w="28575">
             <a:solidFill>
-              <a:schemeClr val="accent5"/>
+              <a:schemeClr val="accent5">
+                <a:lumMod val="75000"/>
+              </a:schemeClr>
             </a:solidFill>
           </a:ln>
         </p:spPr>
@@ -28589,17 +28831,37 @@
           <a:p>
             <a:pPr algn="ctr"/>
             <a:r>
-              <a:rPr lang="en-US" altLang="ja-JP" dirty="0" smtClean="0">
+              <a:rPr kumimoji="1" lang="en-US" altLang="ja-JP" sz="1400" smtClean="0">
                 <a:solidFill>
-                  <a:srgbClr val="C00000"/>
+                  <a:schemeClr val="accent5">
+                    <a:lumMod val="75000"/>
+                  </a:schemeClr>
                 </a:solidFill>
+                <a:latin typeface="+mj-ea"/>
+                <a:ea typeface="+mj-ea"/>
               </a:rPr>
-              <a:t>???</a:t>
-            </a:r>
-            <a:endParaRPr kumimoji="1" lang="ja-JP" altLang="en-US" dirty="0">
+              <a:t>Suspend </a:t>
+            </a:r>
+            <a:r>
+              <a:rPr kumimoji="1" lang="en-US" altLang="ja-JP" sz="1400" dirty="0" smtClean="0">
+                <a:solidFill>
+                  <a:schemeClr val="accent5">
+                    <a:lumMod val="75000"/>
+                  </a:schemeClr>
+                </a:solidFill>
+                <a:latin typeface="+mj-ea"/>
+                <a:ea typeface="+mj-ea"/>
+              </a:rPr>
+              <a:t>AHK</a:t>
+            </a:r>
+            <a:endParaRPr kumimoji="1" lang="ja-JP" altLang="en-US" sz="1400" dirty="0">
               <a:solidFill>
-                <a:srgbClr val="C00000"/>
+                <a:schemeClr val="accent5">
+                  <a:lumMod val="75000"/>
+                </a:schemeClr>
               </a:solidFill>
+              <a:latin typeface="+mj-ea"/>
+              <a:ea typeface="+mj-ea"/>
             </a:endParaRPr>
           </a:p>
         </p:txBody>
@@ -28618,12 +28880,11 @@
           <a:prstGeom prst="rect">
             <a:avLst/>
           </a:prstGeom>
-          <a:solidFill>
-            <a:schemeClr val="accent2"/>
-          </a:solidFill>
           <a:ln w="28575">
             <a:solidFill>
-              <a:schemeClr val="accent2"/>
+              <a:schemeClr val="accent5">
+                <a:lumMod val="75000"/>
+              </a:schemeClr>
             </a:solidFill>
           </a:ln>
         </p:spPr>
@@ -28646,7 +28907,63 @@
           <a:lstStyle/>
           <a:p>
             <a:pPr algn="ctr"/>
-            <a:endParaRPr kumimoji="1" lang="ja-JP" altLang="en-US"/>
+            <a:r>
+              <a:rPr kumimoji="1" lang="en-US" altLang="ja-JP" sz="1400" dirty="0" smtClean="0">
+                <a:solidFill>
+                  <a:schemeClr val="accent5">
+                    <a:lumMod val="75000"/>
+                  </a:schemeClr>
+                </a:solidFill>
+                <a:latin typeface="+mj-ea"/>
+                <a:ea typeface="+mj-ea"/>
+              </a:rPr>
+              <a:t>Screen Preview </a:t>
+            </a:r>
+            <a:r>
+              <a:rPr kumimoji="1" lang="en-US" altLang="ja-JP" sz="1400" dirty="0" smtClean="0">
+                <a:solidFill>
+                  <a:schemeClr val="bg1">
+                    <a:lumMod val="65000"/>
+                  </a:schemeClr>
+                </a:solidFill>
+                <a:latin typeface="+mj-ea"/>
+                <a:ea typeface="+mj-ea"/>
+              </a:rPr>
+              <a:t>(</a:t>
+            </a:r>
+            <a:r>
+              <a:rPr kumimoji="1" lang="en-US" altLang="ja-JP" sz="1400" dirty="0" err="1" smtClean="0">
+                <a:solidFill>
+                  <a:schemeClr val="bg1">
+                    <a:lumMod val="65000"/>
+                  </a:schemeClr>
+                </a:solidFill>
+                <a:latin typeface="+mj-ea"/>
+                <a:ea typeface="+mj-ea"/>
+              </a:rPr>
+              <a:t>Dexpot</a:t>
+            </a:r>
+            <a:r>
+              <a:rPr kumimoji="1" lang="en-US" altLang="ja-JP" sz="1400" dirty="0" smtClean="0">
+                <a:solidFill>
+                  <a:schemeClr val="bg1">
+                    <a:lumMod val="65000"/>
+                  </a:schemeClr>
+                </a:solidFill>
+                <a:latin typeface="+mj-ea"/>
+                <a:ea typeface="+mj-ea"/>
+              </a:rPr>
+              <a:t>)</a:t>
+            </a:r>
+            <a:endParaRPr kumimoji="1" lang="ja-JP" altLang="en-US" sz="1400" dirty="0">
+              <a:solidFill>
+                <a:schemeClr val="bg1">
+                  <a:lumMod val="65000"/>
+                </a:schemeClr>
+              </a:solidFill>
+              <a:latin typeface="+mj-ea"/>
+              <a:ea typeface="+mj-ea"/>
+            </a:endParaRPr>
           </a:p>
         </p:txBody>
       </p:sp>
@@ -28668,7 +28985,9 @@
           </a:prstGeom>
           <a:ln w="28575">
             <a:solidFill>
-              <a:schemeClr val="accent2"/>
+              <a:schemeClr val="accent5">
+                <a:lumMod val="75000"/>
+              </a:schemeClr>
             </a:solidFill>
             <a:tailEnd type="triangle"/>
           </a:ln>
@@ -28702,9 +29021,18 @@
           <a:prstGeom prst="rect">
             <a:avLst/>
           </a:prstGeom>
+          <a:solidFill>
+            <a:schemeClr val="tx1">
+              <a:lumMod val="50000"/>
+              <a:lumOff val="50000"/>
+            </a:schemeClr>
+          </a:solidFill>
           <a:ln w="28575">
             <a:solidFill>
-              <a:schemeClr val="accent5"/>
+              <a:schemeClr val="tx1">
+                <a:lumMod val="50000"/>
+                <a:lumOff val="50000"/>
+              </a:schemeClr>
             </a:solidFill>
           </a:ln>
         </p:spPr>
@@ -28728,25 +29056,15 @@
           <a:p>
             <a:pPr algn="ctr"/>
             <a:r>
-              <a:rPr kumimoji="1" lang="en-US" altLang="ja-JP" dirty="0" smtClean="0"/>
-              <a:t>Screen Preview </a:t>
-            </a:r>
-            <a:r>
-              <a:rPr kumimoji="1" lang="en-US" altLang="ja-JP" dirty="0" smtClean="0">
-                <a:solidFill>
-                  <a:schemeClr val="bg1">
-                    <a:lumMod val="65000"/>
-                  </a:schemeClr>
-                </a:solidFill>
+              <a:rPr kumimoji="1" lang="en-US" altLang="ja-JP" sz="1400" smtClean="0">
+                <a:latin typeface="+mj-ea"/>
+                <a:ea typeface="+mj-ea"/>
               </a:rPr>
-              <a:t>(Dexpot)</a:t>
-            </a:r>
-            <a:endParaRPr kumimoji="1" lang="ja-JP" altLang="en-US" dirty="0">
-              <a:solidFill>
-                <a:schemeClr val="bg1">
-                  <a:lumMod val="65000"/>
-                </a:schemeClr>
-              </a:solidFill>
+              <a:t>BASE</a:t>
+            </a:r>
+            <a:endParaRPr kumimoji="1" lang="ja-JP" altLang="en-US" sz="1400">
+              <a:latin typeface="+mj-ea"/>
+              <a:ea typeface="+mj-ea"/>
             </a:endParaRPr>
           </a:p>
         </p:txBody>
@@ -28769,7 +29087,10 @@
           </a:prstGeom>
           <a:ln w="28575">
             <a:solidFill>
-              <a:schemeClr val="accent5"/>
+              <a:schemeClr val="tx1">
+                <a:lumMod val="50000"/>
+                <a:lumOff val="50000"/>
+              </a:schemeClr>
             </a:solidFill>
             <a:tailEnd type="triangle"/>
           </a:ln>
@@ -28807,7 +29128,7 @@
           </a:prstGeom>
           <a:ln w="28575">
             <a:solidFill>
-              <a:schemeClr val="accent5"/>
+              <a:srgbClr val="C00000"/>
             </a:solidFill>
             <a:tailEnd type="triangle"/>
           </a:ln>
@@ -28843,7 +29164,7 @@
           </a:prstGeom>
           <a:ln w="28575">
             <a:solidFill>
-              <a:schemeClr val="accent5"/>
+              <a:srgbClr val="C00000"/>
             </a:solidFill>
           </a:ln>
         </p:spPr>
@@ -28866,7 +29187,23 @@
           <a:lstStyle/>
           <a:p>
             <a:pPr algn="ctr"/>
-            <a:endParaRPr kumimoji="1" lang="ja-JP" altLang="en-US"/>
+            <a:r>
+              <a:rPr kumimoji="1" lang="en-US" altLang="ja-JP" sz="1400" dirty="0" smtClean="0">
+                <a:solidFill>
+                  <a:srgbClr val="C00000"/>
+                </a:solidFill>
+                <a:latin typeface="+mj-ea"/>
+                <a:ea typeface="+mj-ea"/>
+              </a:rPr>
+              <a:t>???</a:t>
+            </a:r>
+            <a:endParaRPr kumimoji="1" lang="ja-JP" altLang="en-US" sz="1400" dirty="0">
+              <a:solidFill>
+                <a:srgbClr val="C00000"/>
+              </a:solidFill>
+              <a:latin typeface="+mj-ea"/>
+              <a:ea typeface="+mj-ea"/>
+            </a:endParaRPr>
           </a:p>
         </p:txBody>
       </p:sp>
@@ -28886,7 +29223,9 @@
           </a:prstGeom>
           <a:ln w="28575">
             <a:solidFill>
-              <a:schemeClr val="accent5"/>
+              <a:schemeClr val="accent6">
+                <a:lumMod val="75000"/>
+              </a:schemeClr>
             </a:solidFill>
             <a:tailEnd type="triangle"/>
           </a:ln>
@@ -28922,7 +29261,9 @@
           </a:prstGeom>
           <a:ln w="28575">
             <a:solidFill>
-              <a:schemeClr val="accent5"/>
+              <a:schemeClr val="accent6">
+                <a:lumMod val="75000"/>
+              </a:schemeClr>
             </a:solidFill>
           </a:ln>
         </p:spPr>
@@ -28946,25 +29287,37 @@
           <a:p>
             <a:pPr algn="ctr"/>
             <a:r>
-              <a:rPr kumimoji="1" lang="en-US" altLang="ja-JP" dirty="0" smtClean="0"/>
-              <a:t>Middle Button </a:t>
-            </a:r>
-            <a:r>
-              <a:rPr kumimoji="1" lang="en-US" altLang="ja-JP" sz="1050" dirty="0" smtClean="0">
+              <a:rPr kumimoji="1" lang="en-US" altLang="ja-JP" sz="1400" dirty="0" err="1" smtClean="0">
                 <a:solidFill>
-                  <a:schemeClr val="bg1">
-                    <a:lumMod val="65000"/>
+                  <a:schemeClr val="accent6">
+                    <a:lumMod val="75000"/>
                   </a:schemeClr>
                 </a:solidFill>
+                <a:latin typeface="+mj-ea"/>
+                <a:ea typeface="+mj-ea"/>
               </a:rPr>
-              <a:t>(when pressed)</a:t>
-            </a:r>
-            <a:endParaRPr kumimoji="1" lang="ja-JP" altLang="en-US" dirty="0">
+              <a:t>Faborite</a:t>
+            </a:r>
+            <a:r>
+              <a:rPr kumimoji="1" lang="en-US" altLang="ja-JP" sz="1400" dirty="0" smtClean="0">
+                <a:solidFill>
+                  <a:schemeClr val="accent6">
+                    <a:lumMod val="75000"/>
+                  </a:schemeClr>
+                </a:solidFill>
+                <a:latin typeface="+mj-ea"/>
+                <a:ea typeface="+mj-ea"/>
+              </a:rPr>
+              <a:t> Tab</a:t>
+            </a:r>
+            <a:endParaRPr kumimoji="1" lang="ja-JP" altLang="en-US" sz="1400" dirty="0">
               <a:solidFill>
-                <a:schemeClr val="bg1">
-                  <a:lumMod val="65000"/>
+                <a:schemeClr val="accent6">
+                  <a:lumMod val="75000"/>
                 </a:schemeClr>
               </a:solidFill>
+              <a:latin typeface="+mj-ea"/>
+              <a:ea typeface="+mj-ea"/>
             </a:endParaRPr>
           </a:p>
         </p:txBody>
@@ -28972,7 +29325,7 @@
     </p:spTree>
     <p:extLst>
       <p:ext uri="{BB962C8B-B14F-4D97-AF65-F5344CB8AC3E}">
-        <p14:creationId xmlns:p14="http://schemas.microsoft.com/office/powerpoint/2010/main" val="537427911"/>
+        <p14:creationId xmlns:p14="http://schemas.microsoft.com/office/powerpoint/2010/main" val="1984010804"/>
       </p:ext>
     </p:extLst>
   </p:cSld>
@@ -29022,19 +29375,31 @@
           <a:lstStyle/>
           <a:p>
             <a:r>
-              <a:rPr lang="en-US" altLang="ja-JP" dirty="0">
-                <a:latin typeface="+mn-lt"/>
+              <a:rPr kumimoji="1" lang="en-US" altLang="ja-JP" sz="3600" dirty="0" smtClean="0">
+                <a:latin typeface="+mj-ea"/>
               </a:rPr>
-              <a:t>Mouse : Steelseries </a:t>
-            </a:r>
-            <a:r>
-              <a:rPr kumimoji="1" lang="en-US" altLang="ja-JP" dirty="0" smtClean="0">
-                <a:latin typeface="+mn-lt"/>
+              <a:t>Mouse</a:t>
+            </a:r>
+            <a:r>
+              <a:rPr lang="ja-JP" altLang="en-US" sz="3600" dirty="0">
+                <a:latin typeface="+mj-ea"/>
               </a:rPr>
-              <a:t>Kana </a:t>
-            </a:r>
-            <a:endParaRPr kumimoji="1" lang="ja-JP" altLang="en-US" dirty="0">
-              <a:latin typeface="+mn-lt"/>
+              <a:t> </a:t>
+            </a:r>
+            <a:r>
+              <a:rPr lang="en-US" altLang="ja-JP" sz="3600" dirty="0" smtClean="0">
+                <a:latin typeface="+mj-ea"/>
+              </a:rPr>
+              <a:t>: </a:t>
+            </a:r>
+            <a:r>
+              <a:rPr kumimoji="1" lang="en-US" altLang="ja-JP" sz="3600" dirty="0" smtClean="0">
+                <a:latin typeface="+mj-ea"/>
+              </a:rPr>
+              <a:t>Steelseries Kana </a:t>
+            </a:r>
+            <a:endParaRPr kumimoji="1" lang="ja-JP" altLang="en-US" sz="3600" dirty="0">
+              <a:latin typeface="+mj-ea"/>
             </a:endParaRPr>
           </a:p>
         </p:txBody>
@@ -29049,7 +29414,12 @@
             <p:ph idx="1"/>
           </p:nvPr>
         </p:nvSpPr>
-        <p:spPr/>
+        <p:spPr>
+          <a:xfrm>
+            <a:off x="628650" y="1825625"/>
+            <a:ext cx="3874524" cy="428353"/>
+          </a:xfrm>
+        </p:spPr>
         <p:txBody>
           <a:bodyPr/>
           <a:lstStyle/>
@@ -29058,21 +29428,43 @@
               <a:buNone/>
             </a:pPr>
             <a:r>
-              <a:rPr kumimoji="1" lang="en-US" altLang="ja-JP" dirty="0" smtClean="0">
-                <a:solidFill>
-                  <a:schemeClr val="accent2">
-                    <a:lumMod val="75000"/>
-                  </a:schemeClr>
-                </a:solidFill>
+              <a:rPr kumimoji="1" lang="en-US" altLang="ja-JP" sz="2000" dirty="0" smtClean="0">
+                <a:latin typeface="+mj-ea"/>
+                <a:ea typeface="+mj-ea"/>
               </a:rPr>
-              <a:t>MOD Left Side Button</a:t>
-            </a:r>
-            <a:endParaRPr kumimoji="1" lang="ja-JP" altLang="en-US" dirty="0">
-              <a:solidFill>
-                <a:schemeClr val="accent2">
-                  <a:lumMod val="75000"/>
-                </a:schemeClr>
-              </a:solidFill>
+              <a:t>MOD </a:t>
+            </a:r>
+            <a:r>
+              <a:rPr kumimoji="1" lang="en-US" altLang="ja-JP" sz="2000" smtClean="0">
+                <a:latin typeface="+mj-ea"/>
+                <a:ea typeface="+mj-ea"/>
+              </a:rPr>
+              <a:t>Right </a:t>
+            </a:r>
+            <a:r>
+              <a:rPr kumimoji="1" lang="en-US" altLang="ja-JP" sz="2000" smtClean="0">
+                <a:latin typeface="+mj-ea"/>
+                <a:ea typeface="+mj-ea"/>
+              </a:rPr>
+              <a:t>Button (app</a:t>
+            </a:r>
+            <a:r>
+              <a:rPr kumimoji="1" lang="ja-JP" altLang="en-US" sz="2000" smtClean="0">
+                <a:latin typeface="+mj-ea"/>
+                <a:ea typeface="+mj-ea"/>
+              </a:rPr>
+              <a:t>別？</a:t>
+            </a:r>
+            <a:r>
+              <a:rPr kumimoji="1" lang="en-US" altLang="ja-JP" sz="2000" smtClean="0">
+                <a:latin typeface="+mj-ea"/>
+                <a:ea typeface="+mj-ea"/>
+              </a:rPr>
+              <a:t>)</a:t>
+            </a:r>
+            <a:endParaRPr kumimoji="1" lang="ja-JP" altLang="en-US" sz="2000" dirty="0">
+              <a:latin typeface="+mj-ea"/>
+              <a:ea typeface="+mj-ea"/>
             </a:endParaRPr>
           </a:p>
         </p:txBody>
@@ -29151,7 +29543,10 @@
           <a:lstStyle/>
           <a:p>
             <a:pPr algn="ctr"/>
-            <a:endParaRPr kumimoji="1" lang="ja-JP" altLang="en-US"/>
+            <a:endParaRPr kumimoji="1" lang="ja-JP" altLang="en-US" sz="1400">
+              <a:latin typeface="+mj-ea"/>
+              <a:ea typeface="+mj-ea"/>
+            </a:endParaRPr>
           </a:p>
         </p:txBody>
       </p:sp>
@@ -29194,7 +29589,10 @@
           <a:lstStyle/>
           <a:p>
             <a:pPr algn="ctr"/>
-            <a:endParaRPr kumimoji="1" lang="ja-JP" altLang="en-US"/>
+            <a:endParaRPr kumimoji="1" lang="ja-JP" altLang="en-US" sz="1400">
+              <a:latin typeface="+mj-ea"/>
+              <a:ea typeface="+mj-ea"/>
+            </a:endParaRPr>
           </a:p>
         </p:txBody>
       </p:sp>
@@ -29276,91 +29674,102 @@
           <a:p>
             <a:pPr algn="ctr"/>
             <a:r>
-              <a:rPr lang="en-US" altLang="ja-JP" dirty="0"/>
-              <a:t>Next Window </a:t>
-            </a:r>
-            <a:r>
-              <a:rPr lang="en-US" altLang="ja-JP" dirty="0">
+              <a:rPr kumimoji="1" lang="en-US" altLang="ja-JP" sz="1400" dirty="0" smtClean="0">
+                <a:latin typeface="+mj-ea"/>
+                <a:ea typeface="+mj-ea"/>
+              </a:rPr>
+              <a:t>Next Tab </a:t>
+            </a:r>
+            <a:r>
+              <a:rPr kumimoji="1" lang="en-US" altLang="ja-JP" sz="1400" dirty="0" smtClean="0">
                 <a:solidFill>
                   <a:schemeClr val="bg1">
                     <a:lumMod val="65000"/>
                   </a:schemeClr>
                 </a:solidFill>
+                <a:latin typeface="+mj-ea"/>
+                <a:ea typeface="+mj-ea"/>
               </a:rPr>
-              <a:t>(!tab</a:t>
-            </a:r>
-            <a:r>
-              <a:rPr lang="en-US" altLang="ja-JP" dirty="0" smtClean="0">
+              <a:t>(^tab)</a:t>
+            </a:r>
+            <a:endParaRPr kumimoji="1" lang="ja-JP" altLang="en-US" sz="1400" dirty="0">
+              <a:solidFill>
+                <a:schemeClr val="bg1">
+                  <a:lumMod val="65000"/>
+                </a:schemeClr>
+              </a:solidFill>
+              <a:latin typeface="+mj-ea"/>
+              <a:ea typeface="+mj-ea"/>
+            </a:endParaRPr>
+          </a:p>
+        </p:txBody>
+      </p:sp>
+      <p:sp>
+        <p:nvSpPr>
+          <p:cNvPr id="57" name="正方形/長方形 56"/>
+          <p:cNvSpPr/>
+          <p:nvPr/>
+        </p:nvSpPr>
+        <p:spPr>
+          <a:xfrm>
+            <a:off x="611630" y="2488764"/>
+            <a:ext cx="2539646" cy="415754"/>
+          </a:xfrm>
+          <a:prstGeom prst="rect">
+            <a:avLst/>
+          </a:prstGeom>
+          <a:ln w="28575">
+            <a:solidFill>
+              <a:schemeClr val="accent5"/>
+            </a:solidFill>
+          </a:ln>
+        </p:spPr>
+        <p:style>
+          <a:lnRef idx="2">
+            <a:schemeClr val="accent1"/>
+          </a:lnRef>
+          <a:fillRef idx="1">
+            <a:schemeClr val="lt1"/>
+          </a:fillRef>
+          <a:effectRef idx="0">
+            <a:schemeClr val="accent1"/>
+          </a:effectRef>
+          <a:fontRef idx="minor">
+            <a:schemeClr val="dk1"/>
+          </a:fontRef>
+        </p:style>
+        <p:txBody>
+          <a:bodyPr rtlCol="0" anchor="ctr"/>
+          <a:lstStyle/>
+          <a:p>
+            <a:pPr algn="ctr"/>
+            <a:r>
+              <a:rPr kumimoji="1" lang="en-US" altLang="ja-JP" sz="1400" dirty="0" smtClean="0">
+                <a:latin typeface="+mj-ea"/>
+                <a:ea typeface="+mj-ea"/>
+              </a:rPr>
+              <a:t>Previous Tab </a:t>
+            </a:r>
+            <a:r>
+              <a:rPr kumimoji="1" lang="en-US" altLang="ja-JP" sz="1400" dirty="0" smtClean="0">
                 <a:solidFill>
                   <a:schemeClr val="bg1">
                     <a:lumMod val="65000"/>
                   </a:schemeClr>
                 </a:solidFill>
+                <a:latin typeface="+mj-ea"/>
+                <a:ea typeface="+mj-ea"/>
               </a:rPr>
-              <a:t>)</a:t>
-            </a:r>
-          </a:p>
-        </p:txBody>
-      </p:sp>
-      <p:sp>
-        <p:nvSpPr>
-          <p:cNvPr id="57" name="正方形/長方形 56"/>
-          <p:cNvSpPr/>
-          <p:nvPr/>
-        </p:nvSpPr>
-        <p:spPr>
-          <a:xfrm>
-            <a:off x="611630" y="2488764"/>
-            <a:ext cx="2539646" cy="415754"/>
-          </a:xfrm>
-          <a:prstGeom prst="rect">
-            <a:avLst/>
-          </a:prstGeom>
-          <a:ln w="28575">
-            <a:solidFill>
-              <a:schemeClr val="accent5"/>
-            </a:solidFill>
-          </a:ln>
-        </p:spPr>
-        <p:style>
-          <a:lnRef idx="2">
-            <a:schemeClr val="accent1"/>
-          </a:lnRef>
-          <a:fillRef idx="1">
-            <a:schemeClr val="lt1"/>
-          </a:fillRef>
-          <a:effectRef idx="0">
-            <a:schemeClr val="accent1"/>
-          </a:effectRef>
-          <a:fontRef idx="minor">
-            <a:schemeClr val="dk1"/>
-          </a:fontRef>
-        </p:style>
-        <p:txBody>
-          <a:bodyPr rtlCol="0" anchor="ctr"/>
-          <a:lstStyle/>
-          <a:p>
-            <a:pPr algn="ctr"/>
-            <a:r>
-              <a:rPr lang="en-US" altLang="ja-JP" dirty="0" smtClean="0"/>
-              <a:t>Previous Window </a:t>
-            </a:r>
-            <a:r>
-              <a:rPr lang="en-US" altLang="ja-JP" dirty="0" smtClean="0">
-                <a:solidFill>
-                  <a:schemeClr val="bg1">
-                    <a:lumMod val="65000"/>
-                  </a:schemeClr>
-                </a:solidFill>
-              </a:rPr>
-              <a:t>(!+tab)</a:t>
-            </a:r>
-            <a:endParaRPr kumimoji="1" lang="ja-JP" altLang="en-US" dirty="0">
+              <a:t>(^+tab)</a:t>
+            </a:r>
+            <a:endParaRPr kumimoji="1" lang="ja-JP" altLang="en-US" sz="1400" dirty="0">
               <a:solidFill>
                 <a:schemeClr val="bg1">
                   <a:lumMod val="65000"/>
                 </a:schemeClr>
               </a:solidFill>
+              <a:latin typeface="+mj-ea"/>
+              <a:ea typeface="+mj-ea"/>
             </a:endParaRPr>
           </a:p>
         </p:txBody>
@@ -29481,10 +29890,46 @@
           <a:p>
             <a:pPr algn="ctr"/>
             <a:r>
-              <a:rPr kumimoji="1" lang="en-US" altLang="ja-JP" dirty="0" smtClean="0"/>
-              <a:t>Reload AHK</a:t>
-            </a:r>
-            <a:endParaRPr kumimoji="1" lang="ja-JP" altLang="en-US" dirty="0"/>
+              <a:rPr kumimoji="1" lang="en-US" altLang="ja-JP" sz="1400" smtClean="0">
+                <a:solidFill>
+                  <a:schemeClr val="tx1"/>
+                </a:solidFill>
+                <a:latin typeface="+mj-ea"/>
+                <a:ea typeface="+mj-ea"/>
+              </a:rPr>
+              <a:t>Reload </a:t>
+            </a:r>
+            <a:r>
+              <a:rPr kumimoji="1" lang="en-US" altLang="ja-JP" sz="1400" smtClean="0">
+                <a:solidFill>
+                  <a:schemeClr val="tx1"/>
+                </a:solidFill>
+                <a:latin typeface="+mj-ea"/>
+                <a:ea typeface="+mj-ea"/>
+              </a:rPr>
+              <a:t>Tab </a:t>
+            </a:r>
+            <a:r>
+              <a:rPr kumimoji="1" lang="en-US" altLang="ja-JP" sz="1400" smtClean="0">
+                <a:solidFill>
+                  <a:schemeClr val="bg1">
+                    <a:lumMod val="65000"/>
+                  </a:schemeClr>
+                </a:solidFill>
+                <a:latin typeface="+mj-ea"/>
+                <a:ea typeface="+mj-ea"/>
+              </a:rPr>
+              <a:t>(^r)</a:t>
+            </a:r>
+            <a:endParaRPr kumimoji="1" lang="ja-JP" altLang="en-US" sz="1400" dirty="0">
+              <a:solidFill>
+                <a:schemeClr val="bg1">
+                  <a:lumMod val="65000"/>
+                </a:schemeClr>
+              </a:solidFill>
+              <a:latin typeface="+mj-ea"/>
+              <a:ea typeface="+mj-ea"/>
+            </a:endParaRPr>
           </a:p>
         </p:txBody>
       </p:sp>
@@ -29528,45 +29973,32 @@
           <a:p>
             <a:pPr algn="ctr"/>
             <a:r>
-              <a:rPr kumimoji="1" lang="en-US" altLang="ja-JP" dirty="0" smtClean="0"/>
-              <a:t>Screen Preview </a:t>
-            </a:r>
-            <a:r>
-              <a:rPr kumimoji="1" lang="en-US" altLang="ja-JP" dirty="0" smtClean="0">
+              <a:rPr kumimoji="1" lang="en-US" altLang="ja-JP" sz="1400" dirty="0" smtClean="0">
+                <a:latin typeface="+mj-ea"/>
+                <a:ea typeface="+mj-ea"/>
+              </a:rPr>
+              <a:t>Reopen Tab </a:t>
+            </a:r>
+            <a:r>
+              <a:rPr kumimoji="1" lang="en-US" altLang="ja-JP" sz="1400" dirty="0" smtClean="0">
                 <a:solidFill>
                   <a:schemeClr val="bg1">
                     <a:lumMod val="65000"/>
                   </a:schemeClr>
                 </a:solidFill>
+                <a:latin typeface="+mj-ea"/>
+                <a:ea typeface="+mj-ea"/>
               </a:rPr>
-              <a:t>(</a:t>
-            </a:r>
-            <a:r>
-              <a:rPr kumimoji="1" lang="en-US" altLang="ja-JP" dirty="0" err="1" smtClean="0">
-                <a:solidFill>
-                  <a:schemeClr val="bg1">
-                    <a:lumMod val="65000"/>
-                  </a:schemeClr>
-                </a:solidFill>
-              </a:rPr>
-              <a:t>Dexpot</a:t>
-            </a:r>
-            <a:r>
-              <a:rPr kumimoji="1" lang="en-US" altLang="ja-JP" dirty="0" smtClean="0">
-                <a:solidFill>
-                  <a:schemeClr val="bg1">
-                    <a:lumMod val="65000"/>
-                  </a:schemeClr>
-                </a:solidFill>
-              </a:rPr>
-              <a:t>)</a:t>
-            </a:r>
-            <a:endParaRPr kumimoji="1" lang="ja-JP" altLang="en-US" dirty="0">
+              <a:t>(^+t)</a:t>
+            </a:r>
+            <a:endParaRPr kumimoji="1" lang="ja-JP" altLang="en-US" sz="1400" dirty="0">
               <a:solidFill>
                 <a:schemeClr val="bg1">
                   <a:lumMod val="65000"/>
                 </a:schemeClr>
               </a:solidFill>
+              <a:latin typeface="+mj-ea"/>
+              <a:ea typeface="+mj-ea"/>
             </a:endParaRPr>
           </a:p>
         </p:txBody>
@@ -29623,12 +30055,9 @@
           <a:prstGeom prst="rect">
             <a:avLst/>
           </a:prstGeom>
-          <a:solidFill>
-            <a:schemeClr val="accent2"/>
-          </a:solidFill>
           <a:ln w="28575">
             <a:solidFill>
-              <a:schemeClr val="accent2"/>
+              <a:schemeClr val="accent5"/>
             </a:solidFill>
           </a:ln>
         </p:spPr>
@@ -29651,7 +30080,34 @@
           <a:lstStyle/>
           <a:p>
             <a:pPr algn="ctr"/>
-            <a:endParaRPr kumimoji="1" lang="ja-JP" altLang="en-US"/>
+            <a:r>
+              <a:rPr kumimoji="1" lang="en-US" altLang="ja-JP" sz="1400" dirty="0" smtClean="0">
+                <a:latin typeface="+mj-ea"/>
+                <a:ea typeface="+mj-ea"/>
+              </a:rPr>
+              <a:t>Close Tab </a:t>
+            </a:r>
+            <a:r>
+              <a:rPr kumimoji="1" lang="en-US" altLang="ja-JP" sz="1400" dirty="0" smtClean="0">
+                <a:solidFill>
+                  <a:schemeClr val="bg1">
+                    <a:lumMod val="65000"/>
+                  </a:schemeClr>
+                </a:solidFill>
+                <a:latin typeface="+mj-ea"/>
+                <a:ea typeface="+mj-ea"/>
+              </a:rPr>
+              <a:t>(^w)</a:t>
+            </a:r>
+            <a:endParaRPr kumimoji="1" lang="ja-JP" altLang="en-US" sz="1400" dirty="0">
+              <a:solidFill>
+                <a:schemeClr val="bg1">
+                  <a:lumMod val="65000"/>
+                </a:schemeClr>
+              </a:solidFill>
+              <a:latin typeface="+mj-ea"/>
+              <a:ea typeface="+mj-ea"/>
+            </a:endParaRPr>
           </a:p>
         </p:txBody>
       </p:sp>
@@ -29673,7 +30129,7 @@
           </a:prstGeom>
           <a:ln w="28575">
             <a:solidFill>
-              <a:schemeClr val="accent2"/>
+              <a:schemeClr val="accent5"/>
             </a:solidFill>
             <a:tailEnd type="triangle"/>
           </a:ln>
@@ -29711,7 +30167,10 @@
           </a:prstGeom>
           <a:ln w="28575">
             <a:solidFill>
-              <a:schemeClr val="accent5"/>
+              <a:schemeClr val="tx1">
+                <a:lumMod val="50000"/>
+                <a:lumOff val="50000"/>
+              </a:schemeClr>
             </a:solidFill>
             <a:tailEnd type="triangle"/>
           </a:ln>
@@ -29745,24 +30204,33 @@
           <a:prstGeom prst="rect">
             <a:avLst/>
           </a:prstGeom>
-          <a:ln w="28575">
+          <a:solidFill>
+            <a:schemeClr val="tx1">
+              <a:lumMod val="50000"/>
+              <a:lumOff val="50000"/>
+            </a:schemeClr>
+          </a:solidFill>
+          <a:ln>
             <a:solidFill>
-              <a:schemeClr val="accent5"/>
+              <a:schemeClr val="tx1">
+                <a:lumMod val="50000"/>
+                <a:lumOff val="50000"/>
+              </a:schemeClr>
             </a:solidFill>
           </a:ln>
         </p:spPr>
         <p:style>
-          <a:lnRef idx="2">
-            <a:schemeClr val="accent1"/>
-          </a:lnRef>
-          <a:fillRef idx="1">
-            <a:schemeClr val="lt1"/>
-          </a:fillRef>
-          <a:effectRef idx="0">
-            <a:schemeClr val="accent1"/>
-          </a:effectRef>
-          <a:fontRef idx="minor">
-            <a:schemeClr val="dk1"/>
+          <a:lnRef idx="3">
+            <a:schemeClr val="lt1"/>
+          </a:lnRef>
+          <a:fillRef idx="1">
+            <a:schemeClr val="accent2"/>
+          </a:fillRef>
+          <a:effectRef idx="1">
+            <a:schemeClr val="accent2"/>
+          </a:effectRef>
+          <a:fontRef idx="minor">
+            <a:schemeClr val="lt1"/>
           </a:fontRef>
         </p:style>
         <p:txBody>
@@ -29771,17 +30239,21 @@
           <a:p>
             <a:pPr algn="ctr"/>
             <a:r>
-              <a:rPr kumimoji="1" lang="en-US" altLang="ja-JP" dirty="0" smtClean="0">
+              <a:rPr kumimoji="1" lang="en-US" altLang="ja-JP" sz="1400" smtClean="0">
                 <a:solidFill>
-                  <a:srgbClr val="C00000"/>
+                  <a:schemeClr val="tx1"/>
                 </a:solidFill>
+                <a:latin typeface="+mj-ea"/>
+                <a:ea typeface="+mj-ea"/>
               </a:rPr>
-              <a:t>???</a:t>
-            </a:r>
-            <a:endParaRPr kumimoji="1" lang="ja-JP" altLang="en-US" dirty="0">
+              <a:t>BASE</a:t>
+            </a:r>
+            <a:endParaRPr kumimoji="1" lang="ja-JP" altLang="en-US" sz="1400">
               <a:solidFill>
-                <a:srgbClr val="C00000"/>
+                <a:schemeClr val="tx1"/>
               </a:solidFill>
+              <a:latin typeface="+mj-ea"/>
+              <a:ea typeface="+mj-ea"/>
             </a:endParaRPr>
           </a:p>
         </p:txBody>
@@ -29862,25 +30334,81 @@
           <a:p>
             <a:pPr algn="ctr"/>
             <a:r>
-              <a:rPr kumimoji="1" lang="en-US" altLang="ja-JP" dirty="0" err="1" smtClean="0">
+              <a:rPr kumimoji="1" lang="en-US" altLang="ja-JP" sz="1400" dirty="0" smtClean="0">
                 <a:solidFill>
-                  <a:srgbClr val="C00000"/>
+                  <a:schemeClr val="tx1"/>
                 </a:solidFill>
+                <a:latin typeface="+mj-ea"/>
+                <a:ea typeface="+mj-ea"/>
               </a:rPr>
-              <a:t>Faborite</a:t>
-            </a:r>
-            <a:r>
-              <a:rPr kumimoji="1" lang="en-US" altLang="ja-JP" dirty="0" smtClean="0">
+              <a:t>Pin Tab </a:t>
+            </a:r>
+            <a:r>
+              <a:rPr kumimoji="1" lang="en-US" altLang="ja-JP" sz="1400" dirty="0" smtClean="0">
                 <a:solidFill>
-                  <a:srgbClr val="C00000"/>
+                  <a:schemeClr val="bg1">
+                    <a:lumMod val="65000"/>
+                  </a:schemeClr>
                 </a:solidFill>
+                <a:latin typeface="+mj-ea"/>
+                <a:ea typeface="+mj-ea"/>
               </a:rPr>
-              <a:t> Tab</a:t>
-            </a:r>
-            <a:endParaRPr kumimoji="1" lang="ja-JP" altLang="en-US" dirty="0">
+              <a:t>(!p)</a:t>
+            </a:r>
+            <a:endParaRPr kumimoji="1" lang="ja-JP" altLang="en-US" sz="1400" dirty="0">
               <a:solidFill>
-                <a:srgbClr val="C00000"/>
+                <a:schemeClr val="bg1">
+                  <a:lumMod val="65000"/>
+                </a:schemeClr>
               </a:solidFill>
+              <a:latin typeface="+mj-ea"/>
+              <a:ea typeface="+mj-ea"/>
+            </a:endParaRPr>
+          </a:p>
+        </p:txBody>
+      </p:sp>
+      <p:sp>
+        <p:nvSpPr>
+          <p:cNvPr id="4" name="テキスト ボックス 3"/>
+          <p:cNvSpPr txBox="1"/>
+          <p:nvPr/>
+        </p:nvSpPr>
+        <p:spPr>
+          <a:xfrm>
+            <a:off x="622870" y="6349429"/>
+            <a:ext cx="3533340" cy="307777"/>
+          </a:xfrm>
+          <a:prstGeom prst="rect">
+            <a:avLst/>
+          </a:prstGeom>
+          <a:noFill/>
+        </p:spPr>
+        <p:txBody>
+          <a:bodyPr wrap="none" rtlCol="0">
+            <a:spAutoFit/>
+          </a:bodyPr>
+          <a:lstStyle/>
+          <a:p>
+            <a:r>
+              <a:rPr lang="en-US" altLang="ja-JP" sz="1400" dirty="0" smtClean="0">
+                <a:solidFill>
+                  <a:schemeClr val="bg1">
+                    <a:lumMod val="65000"/>
+                  </a:schemeClr>
+                </a:solidFill>
+                <a:latin typeface="+mj-ea"/>
+                <a:ea typeface="+mj-ea"/>
+              </a:rPr>
+              <a:t>※ !p need pin tab (chrome extension)</a:t>
+            </a:r>
+            <a:endParaRPr kumimoji="1" lang="ja-JP" altLang="en-US" sz="1400" dirty="0">
+              <a:solidFill>
+                <a:schemeClr val="bg1">
+                  <a:lumMod val="65000"/>
+                </a:schemeClr>
+              </a:solidFill>
+              <a:latin typeface="+mj-ea"/>
+              <a:ea typeface="+mj-ea"/>
             </a:endParaRPr>
           </a:p>
         </p:txBody>
@@ -29888,7 +30416,7 @@
     </p:spTree>
     <p:extLst>
       <p:ext uri="{BB962C8B-B14F-4D97-AF65-F5344CB8AC3E}">
-        <p14:creationId xmlns:p14="http://schemas.microsoft.com/office/powerpoint/2010/main" val="1984010804"/>
+        <p14:creationId xmlns:p14="http://schemas.microsoft.com/office/powerpoint/2010/main" val="1065466913"/>
       </p:ext>
     </p:extLst>
   </p:cSld>
